--- a/src/SE2/Stimuli/Instructions_Rewarded.pptx
+++ b/src/SE2/Stimuli/Instructions_Rewarded.pptx
@@ -5,17 +5,18 @@
     <p:sldMasterId id="2147483648" r:id="rId1"/>
   </p:sldMasterIdLst>
   <p:notesMasterIdLst>
-    <p:notesMasterId r:id="rId10"/>
+    <p:notesMasterId r:id="rId11"/>
   </p:notesMasterIdLst>
   <p:sldIdLst>
     <p:sldId id="256" r:id="rId2"/>
     <p:sldId id="257" r:id="rId3"/>
-    <p:sldId id="258" r:id="rId4"/>
-    <p:sldId id="260" r:id="rId5"/>
-    <p:sldId id="261" r:id="rId6"/>
-    <p:sldId id="262" r:id="rId7"/>
-    <p:sldId id="263" r:id="rId8"/>
-    <p:sldId id="267" r:id="rId9"/>
+    <p:sldId id="268" r:id="rId4"/>
+    <p:sldId id="258" r:id="rId5"/>
+    <p:sldId id="260" r:id="rId6"/>
+    <p:sldId id="261" r:id="rId7"/>
+    <p:sldId id="262" r:id="rId8"/>
+    <p:sldId id="263" r:id="rId9"/>
+    <p:sldId id="267" r:id="rId10"/>
   </p:sldIdLst>
   <p:sldSz cx="12192000" cy="6858000"/>
   <p:notesSz cx="6858000" cy="9144000"/>
@@ -539,7 +540,7 @@
           <a:p>
             <a:fld id="{E8BC793C-F542-422D-B0F4-20EA999D0B3F}" type="slidenum">
               <a:rPr lang="fr-FR" smtClean="0"/>
-              <a:t>4</a:t>
+              <a:t>5</a:t>
             </a:fld>
             <a:endParaRPr lang="fr-FR"/>
           </a:p>
@@ -3978,125 +3979,52 @@
       </p:grpSpPr>
       <p:sp>
         <p:nvSpPr>
-          <p:cNvPr id="2" name="Titre 1">
-            <a:extLst>
-              <a:ext uri="{FF2B5EF4-FFF2-40B4-BE49-F238E27FC236}">
-                <a16:creationId xmlns:a16="http://schemas.microsoft.com/office/drawing/2014/main" id="{F0DEC139-24A4-4DEB-B1EE-979D93666792}"/>
-              </a:ext>
-            </a:extLst>
-          </p:cNvPr>
-          <p:cNvSpPr>
-            <a:spLocks noGrp="1"/>
-          </p:cNvSpPr>
-          <p:nvPr>
-            <p:ph type="title"/>
-          </p:nvPr>
-        </p:nvSpPr>
-        <p:spPr/>
-        <p:txBody>
-          <a:bodyPr/>
-          <a:lstStyle/>
-          <a:p>
-            <a:r>
-              <a:rPr lang="fr-FR" dirty="0" err="1"/>
-              <a:t>Etape</a:t>
-            </a:r>
-            <a:r>
-              <a:rPr lang="fr-FR" dirty="0"/>
-              <a:t> 1 : Choix du temps de mémorisation</a:t>
-            </a:r>
-          </a:p>
-        </p:txBody>
-      </p:sp>
-      <p:sp>
-        <p:nvSpPr>
-          <p:cNvPr id="3" name="Espace réservé du contenu 2">
-            <a:extLst>
-              <a:ext uri="{FF2B5EF4-FFF2-40B4-BE49-F238E27FC236}">
-                <a16:creationId xmlns:a16="http://schemas.microsoft.com/office/drawing/2014/main" id="{64EDD8C3-8947-4AA0-A8E0-F243A3886896}"/>
-              </a:ext>
-            </a:extLst>
-          </p:cNvPr>
-          <p:cNvSpPr>
-            <a:spLocks noGrp="1"/>
-          </p:cNvSpPr>
-          <p:nvPr>
-            <p:ph idx="1"/>
-          </p:nvPr>
-        </p:nvSpPr>
-        <p:spPr/>
-        <p:txBody>
-          <a:bodyPr>
-            <a:normAutofit/>
+          <p:cNvPr id="5" name="TextBox 4">
+            <a:extLst>
+              <a:ext uri="{FF2B5EF4-FFF2-40B4-BE49-F238E27FC236}">
+                <a16:creationId xmlns:a16="http://schemas.microsoft.com/office/drawing/2014/main" id="{1706A04E-CC78-47AF-92CF-9D7713E7DC2C}"/>
+              </a:ext>
+            </a:extLst>
+          </p:cNvPr>
+          <p:cNvSpPr txBox="1"/>
+          <p:nvPr/>
+        </p:nvSpPr>
+        <p:spPr>
+          <a:xfrm>
+            <a:off x="2359025" y="2967335"/>
+            <a:ext cx="7473950" cy="923330"/>
+          </a:xfrm>
+          <a:prstGeom prst="rect">
+            <a:avLst/>
+          </a:prstGeom>
+          <a:noFill/>
+        </p:spPr>
+        <p:txBody>
+          <a:bodyPr wrap="square">
+            <a:spAutoFit/>
           </a:bodyPr>
           <a:lstStyle/>
           <a:p>
-            <a:r>
-              <a:rPr lang="fr-FR" dirty="0"/>
-              <a:t>Pour chaque exercice, il y a un </a:t>
-            </a:r>
-            <a:r>
-              <a:rPr lang="fr-FR" b="1" dirty="0"/>
-              <a:t>objectif</a:t>
-            </a:r>
-            <a:r>
-              <a:rPr lang="fr-FR" dirty="0"/>
-              <a:t> et un </a:t>
-            </a:r>
-            <a:r>
-              <a:rPr lang="fr-FR" b="1" dirty="0"/>
-              <a:t>bonus</a:t>
-            </a:r>
-            <a:r>
-              <a:rPr lang="fr-FR" dirty="0"/>
-              <a:t>:</a:t>
-            </a:r>
-          </a:p>
-          <a:p>
-            <a:pPr lvl="1"/>
-            <a:r>
-              <a:rPr lang="fr-FR" dirty="0"/>
-              <a:t>L’</a:t>
-            </a:r>
-            <a:r>
-              <a:rPr lang="fr-FR" b="1" dirty="0"/>
-              <a:t>objectif</a:t>
-            </a:r>
-            <a:r>
-              <a:rPr lang="fr-FR" dirty="0"/>
-              <a:t> est le nombre de paires que vous devez mémoriser pour réussir l’exercice (4, 6 ou 8). </a:t>
-            </a:r>
-          </a:p>
-          <a:p>
-            <a:pPr lvl="1"/>
-            <a:r>
-              <a:rPr lang="fr-FR" dirty="0"/>
-              <a:t>Le </a:t>
-            </a:r>
-            <a:r>
-              <a:rPr lang="fr-FR" b="1" dirty="0"/>
-              <a:t>bonus</a:t>
-            </a:r>
-            <a:r>
-              <a:rPr lang="fr-FR" dirty="0"/>
-              <a:t> est le nombre de points que vous obtenez si vous atteignez l’objectif (1, 10 ou 100). Attention: votre rétribution financière dépend du total de points que vous aurez obtenu (sur les 27 exercices).</a:t>
-            </a:r>
-          </a:p>
-          <a:p>
-            <a:r>
-              <a:rPr lang="fr-FR" dirty="0"/>
-              <a:t>Avant chaque exercice, nous vous afficherons l’objectif et le bonus. Vous nous indiquerez alors combien de temps vous souhaitez voir la grille (entre 0 et 60 secondes).</a:t>
-            </a:r>
-          </a:p>
-          <a:p>
-            <a:endParaRPr lang="fr-FR" dirty="0"/>
+            <a:pPr algn="ctr"/>
+            <a:r>
+              <a:rPr lang="fr-FR" sz="1800" dirty="0"/>
+              <a:t>Ayant déjà mené une version similaire de cette expérience, nous pourrons détecter si vous avez triché lors d'un exercice et </a:t>
+            </a:r>
+            <a:r>
+              <a:rPr lang="fr-FR" sz="1800" b="1" dirty="0"/>
+              <a:t>vous ne recevrez pas de paiement </a:t>
+            </a:r>
+            <a:r>
+              <a:rPr lang="fr-FR" sz="1800" dirty="0"/>
+              <a:t>si nous soupçonnons que c'est le cas.</a:t>
+            </a:r>
           </a:p>
         </p:txBody>
       </p:sp>
     </p:spTree>
     <p:extLst>
       <p:ext uri="{BB962C8B-B14F-4D97-AF65-F5344CB8AC3E}">
-        <p14:creationId xmlns:p14="http://schemas.microsoft.com/office/powerpoint/2010/main" val="2096796742"/>
+        <p14:creationId xmlns:p14="http://schemas.microsoft.com/office/powerpoint/2010/main" val="3191004904"/>
       </p:ext>
     </p:extLst>
   </p:cSld>
@@ -4128,7 +4056,7 @@
           <p:cNvPr id="2" name="Titre 1">
             <a:extLst>
               <a:ext uri="{FF2B5EF4-FFF2-40B4-BE49-F238E27FC236}">
-                <a16:creationId xmlns:a16="http://schemas.microsoft.com/office/drawing/2014/main" id="{76B8D6B4-83C0-46FD-881F-59DD88440335}"/>
+                <a16:creationId xmlns:a16="http://schemas.microsoft.com/office/drawing/2014/main" id="{F0DEC139-24A4-4DEB-B1EE-979D93666792}"/>
               </a:ext>
             </a:extLst>
           </p:cNvPr>
@@ -4150,7 +4078,7 @@
             </a:r>
             <a:r>
               <a:rPr lang="fr-FR" dirty="0"/>
-              <a:t> 2 : Mémorisation</a:t>
+              <a:t> 1 : Choix du temps de mémorisation</a:t>
             </a:r>
           </a:p>
         </p:txBody>
@@ -4160,7 +4088,7 @@
           <p:cNvPr id="3" name="Espace réservé du contenu 2">
             <a:extLst>
               <a:ext uri="{FF2B5EF4-FFF2-40B4-BE49-F238E27FC236}">
-                <a16:creationId xmlns:a16="http://schemas.microsoft.com/office/drawing/2014/main" id="{8B93E548-1B3B-4A44-B176-F3BDBE33AD91}"/>
+                <a16:creationId xmlns:a16="http://schemas.microsoft.com/office/drawing/2014/main" id="{64EDD8C3-8947-4AA0-A8E0-F243A3886896}"/>
               </a:ext>
             </a:extLst>
           </p:cNvPr>
@@ -4173,26 +4101,77 @@
         </p:nvSpPr>
         <p:spPr/>
         <p:txBody>
-          <a:bodyPr/>
+          <a:bodyPr>
+            <a:normAutofit/>
+          </a:bodyPr>
           <a:lstStyle/>
           <a:p>
             <a:r>
               <a:rPr lang="fr-FR" dirty="0"/>
-              <a:t>Nous allons maintenant vous montrer la grille (pendant le temps que vous nous avez indiqué).</a:t>
-            </a:r>
-          </a:p>
-          <a:p>
+              <a:t>Pour chaque exercice, il y a un </a:t>
+            </a:r>
+            <a:r>
+              <a:rPr lang="fr-FR" b="1" dirty="0"/>
+              <a:t>objectif</a:t>
+            </a:r>
             <a:r>
               <a:rPr lang="fr-FR" dirty="0"/>
-              <a:t>Pour atteindre l’objectif, vous devez mémoriser l’emplacement de toutes les paires de chiffres affichées sur la grille.</a:t>
-            </a:r>
+              <a:t> et un </a:t>
+            </a:r>
+            <a:r>
+              <a:rPr lang="fr-FR" b="1" dirty="0"/>
+              <a:t>bonus</a:t>
+            </a:r>
+            <a:r>
+              <a:rPr lang="fr-FR" dirty="0"/>
+              <a:t>:</a:t>
+            </a:r>
+          </a:p>
+          <a:p>
+            <a:pPr lvl="1"/>
+            <a:r>
+              <a:rPr lang="fr-FR" dirty="0"/>
+              <a:t>L’</a:t>
+            </a:r>
+            <a:r>
+              <a:rPr lang="fr-FR" b="1" dirty="0"/>
+              <a:t>objectif</a:t>
+            </a:r>
+            <a:r>
+              <a:rPr lang="fr-FR" dirty="0"/>
+              <a:t> est le nombre de paires que vous devez mémoriser pour réussir l’exercice (4, 6 ou 8). </a:t>
+            </a:r>
+          </a:p>
+          <a:p>
+            <a:pPr lvl="1"/>
+            <a:r>
+              <a:rPr lang="fr-FR" dirty="0"/>
+              <a:t>Le </a:t>
+            </a:r>
+            <a:r>
+              <a:rPr lang="fr-FR" b="1" dirty="0"/>
+              <a:t>bonus</a:t>
+            </a:r>
+            <a:r>
+              <a:rPr lang="fr-FR" dirty="0"/>
+              <a:t> est le nombre de points que vous obtenez si vous atteignez l’objectif (1, 10 ou 100). Attention: votre rétribution financière dépend du total de points que vous aurez obtenu (sur les 27 exercices).</a:t>
+            </a:r>
+          </a:p>
+          <a:p>
+            <a:r>
+              <a:rPr lang="fr-FR" dirty="0"/>
+              <a:t>Avant chaque exercice, nous vous afficherons l’objectif et le bonus. Vous nous indiquerez alors combien de temps vous souhaitez voir la grille (entre 0 et 60 secondes).</a:t>
+            </a:r>
+          </a:p>
+          <a:p>
+            <a:endParaRPr lang="fr-FR" dirty="0"/>
           </a:p>
         </p:txBody>
       </p:sp>
     </p:spTree>
     <p:extLst>
       <p:ext uri="{BB962C8B-B14F-4D97-AF65-F5344CB8AC3E}">
-        <p14:creationId xmlns:p14="http://schemas.microsoft.com/office/powerpoint/2010/main" val="44375301"/>
+        <p14:creationId xmlns:p14="http://schemas.microsoft.com/office/powerpoint/2010/main" val="2096796742"/>
       </p:ext>
     </p:extLst>
   </p:cSld>
@@ -4224,7 +4203,7 @@
           <p:cNvPr id="2" name="Titre 1">
             <a:extLst>
               <a:ext uri="{FF2B5EF4-FFF2-40B4-BE49-F238E27FC236}">
-                <a16:creationId xmlns:a16="http://schemas.microsoft.com/office/drawing/2014/main" id="{3D9434FB-C73E-49EC-8798-CFAAA1FDCEDF}"/>
+                <a16:creationId xmlns:a16="http://schemas.microsoft.com/office/drawing/2014/main" id="{76B8D6B4-83C0-46FD-881F-59DD88440335}"/>
               </a:ext>
             </a:extLst>
           </p:cNvPr>
@@ -4246,7 +4225,7 @@
             </a:r>
             <a:r>
               <a:rPr lang="fr-FR" dirty="0"/>
-              <a:t> 3 : Test </a:t>
+              <a:t> 2 : Mémorisation</a:t>
             </a:r>
           </a:p>
         </p:txBody>
@@ -4256,7 +4235,7 @@
           <p:cNvPr id="3" name="Espace réservé du contenu 2">
             <a:extLst>
               <a:ext uri="{FF2B5EF4-FFF2-40B4-BE49-F238E27FC236}">
-                <a16:creationId xmlns:a16="http://schemas.microsoft.com/office/drawing/2014/main" id="{2A2EE7A3-8CD1-4A74-9A23-D224A3CB8DD3}"/>
+                <a16:creationId xmlns:a16="http://schemas.microsoft.com/office/drawing/2014/main" id="{8B93E548-1B3B-4A44-B176-F3BDBE33AD91}"/>
               </a:ext>
             </a:extLst>
           </p:cNvPr>
@@ -4269,32 +4248,18 @@
         </p:nvSpPr>
         <p:spPr/>
         <p:txBody>
-          <a:bodyPr>
-            <a:normAutofit/>
-          </a:bodyPr>
+          <a:bodyPr/>
           <a:lstStyle/>
           <a:p>
             <a:r>
               <a:rPr lang="fr-FR" dirty="0"/>
-              <a:t>Nous allons maintenant tester votre mémoire.</a:t>
+              <a:t>Nous allons maintenant vous montrer la grille (pendant le temps que vous nous avez indiqué).</a:t>
             </a:r>
           </a:p>
           <a:p>
             <a:r>
               <a:rPr lang="fr-FR" dirty="0"/>
-              <a:t>Pour chaque paire, nous vous montrerons l’un des chiffres, et vous devrez cliquer sur l’emplacement de l’autre chiffre.</a:t>
-            </a:r>
-          </a:p>
-          <a:p>
-            <a:r>
-              <a:rPr lang="fr-FR" dirty="0"/>
-              <a:t>Si vous être sûr de votre réponse, cliquez sur « Ok je suis sûr » ; sinon, cliquez sur « Ok mais je ne suis pas sûr ».</a:t>
-            </a:r>
-          </a:p>
-          <a:p>
-            <a:r>
-              <a:rPr lang="fr-FR" dirty="0"/>
-              <a:t>Nous testerons alors la prochaine paire (et ainsi de suite...).</a:t>
+              <a:t>Pour atteindre l’objectif, vous devez mémoriser l’emplacement de toutes les paires de chiffres affichées sur la grille.</a:t>
             </a:r>
           </a:p>
         </p:txBody>
@@ -4302,7 +4267,7 @@
     </p:spTree>
     <p:extLst>
       <p:ext uri="{BB962C8B-B14F-4D97-AF65-F5344CB8AC3E}">
-        <p14:creationId xmlns:p14="http://schemas.microsoft.com/office/powerpoint/2010/main" val="1776127479"/>
+        <p14:creationId xmlns:p14="http://schemas.microsoft.com/office/powerpoint/2010/main" val="44375301"/>
       </p:ext>
     </p:extLst>
   </p:cSld>
@@ -4334,7 +4299,7 @@
           <p:cNvPr id="2" name="Titre 1">
             <a:extLst>
               <a:ext uri="{FF2B5EF4-FFF2-40B4-BE49-F238E27FC236}">
-                <a16:creationId xmlns:a16="http://schemas.microsoft.com/office/drawing/2014/main" id="{A867B0E4-F325-40E8-9485-8FC63A43F669}"/>
+                <a16:creationId xmlns:a16="http://schemas.microsoft.com/office/drawing/2014/main" id="{3D9434FB-C73E-49EC-8798-CFAAA1FDCEDF}"/>
               </a:ext>
             </a:extLst>
           </p:cNvPr>
@@ -4356,7 +4321,7 @@
             </a:r>
             <a:r>
               <a:rPr lang="fr-FR" dirty="0"/>
-              <a:t> 4 : Auto-évaluation</a:t>
+              <a:t> 3 : Test </a:t>
             </a:r>
           </a:p>
         </p:txBody>
@@ -4366,7 +4331,7 @@
           <p:cNvPr id="3" name="Espace réservé du contenu 2">
             <a:extLst>
               <a:ext uri="{FF2B5EF4-FFF2-40B4-BE49-F238E27FC236}">
-                <a16:creationId xmlns:a16="http://schemas.microsoft.com/office/drawing/2014/main" id="{3323603C-DB55-430E-BCD3-A096CD7D14A6}"/>
+                <a16:creationId xmlns:a16="http://schemas.microsoft.com/office/drawing/2014/main" id="{2A2EE7A3-8CD1-4A74-9A23-D224A3CB8DD3}"/>
               </a:ext>
             </a:extLst>
           </p:cNvPr>
@@ -4379,24 +4344,32 @@
         </p:nvSpPr>
         <p:spPr/>
         <p:txBody>
-          <a:bodyPr/>
+          <a:bodyPr>
+            <a:normAutofit/>
+          </a:bodyPr>
           <a:lstStyle/>
           <a:p>
             <a:r>
               <a:rPr lang="fr-FR" dirty="0"/>
-              <a:t>Nous allons maintenant vous demander d’indiquer le nombre d’emplacements que vous pensez avoir correctement retrouvés (cliquez sur le bouton correspondant).</a:t>
+              <a:t>Nous allons maintenant tester votre mémoire.</a:t>
             </a:r>
           </a:p>
           <a:p>
             <a:r>
               <a:rPr lang="fr-FR" dirty="0"/>
-              <a:t>Votre réponse est importante: prenez le temps d’y réfléchir!</a:t>
+              <a:t>Pour chaque paire, nous vous montrerons l’un des chiffres, et vous devrez cliquer sur l’emplacement de l’autre chiffre.</a:t>
             </a:r>
           </a:p>
           <a:p>
             <a:r>
               <a:rPr lang="fr-FR" dirty="0"/>
-              <a:t>Dans certains exercices, nous vous demanderons aussi d’indiquer l’effort que vous avez fourni pour mémoriser la grille.</a:t>
+              <a:t>Si vous être sûr de votre réponse, cliquez sur « Ok je suis sûr » ; sinon, cliquez sur « Ok mais je ne suis pas sûr ».</a:t>
+            </a:r>
+          </a:p>
+          <a:p>
+            <a:r>
+              <a:rPr lang="fr-FR" dirty="0"/>
+              <a:t>Nous testerons alors la prochaine paire (et ainsi de suite...).</a:t>
             </a:r>
           </a:p>
         </p:txBody>
@@ -4404,7 +4377,7 @@
     </p:spTree>
     <p:extLst>
       <p:ext uri="{BB962C8B-B14F-4D97-AF65-F5344CB8AC3E}">
-        <p14:creationId xmlns:p14="http://schemas.microsoft.com/office/powerpoint/2010/main" val="3373185044"/>
+        <p14:creationId xmlns:p14="http://schemas.microsoft.com/office/powerpoint/2010/main" val="1776127479"/>
       </p:ext>
     </p:extLst>
   </p:cSld>
@@ -4436,6 +4409,108 @@
           <p:cNvPr id="2" name="Titre 1">
             <a:extLst>
               <a:ext uri="{FF2B5EF4-FFF2-40B4-BE49-F238E27FC236}">
+                <a16:creationId xmlns:a16="http://schemas.microsoft.com/office/drawing/2014/main" id="{A867B0E4-F325-40E8-9485-8FC63A43F669}"/>
+              </a:ext>
+            </a:extLst>
+          </p:cNvPr>
+          <p:cNvSpPr>
+            <a:spLocks noGrp="1"/>
+          </p:cNvSpPr>
+          <p:nvPr>
+            <p:ph type="title"/>
+          </p:nvPr>
+        </p:nvSpPr>
+        <p:spPr/>
+        <p:txBody>
+          <a:bodyPr/>
+          <a:lstStyle/>
+          <a:p>
+            <a:r>
+              <a:rPr lang="fr-FR" dirty="0" err="1"/>
+              <a:t>Etape</a:t>
+            </a:r>
+            <a:r>
+              <a:rPr lang="fr-FR" dirty="0"/>
+              <a:t> 4 : Auto-évaluation</a:t>
+            </a:r>
+          </a:p>
+        </p:txBody>
+      </p:sp>
+      <p:sp>
+        <p:nvSpPr>
+          <p:cNvPr id="3" name="Espace réservé du contenu 2">
+            <a:extLst>
+              <a:ext uri="{FF2B5EF4-FFF2-40B4-BE49-F238E27FC236}">
+                <a16:creationId xmlns:a16="http://schemas.microsoft.com/office/drawing/2014/main" id="{3323603C-DB55-430E-BCD3-A096CD7D14A6}"/>
+              </a:ext>
+            </a:extLst>
+          </p:cNvPr>
+          <p:cNvSpPr>
+            <a:spLocks noGrp="1"/>
+          </p:cNvSpPr>
+          <p:nvPr>
+            <p:ph idx="1"/>
+          </p:nvPr>
+        </p:nvSpPr>
+        <p:spPr/>
+        <p:txBody>
+          <a:bodyPr/>
+          <a:lstStyle/>
+          <a:p>
+            <a:r>
+              <a:rPr lang="fr-FR" dirty="0"/>
+              <a:t>Nous allons maintenant vous demander d’indiquer le nombre d’emplacements que vous pensez avoir correctement retrouvés (cliquez sur le bouton correspondant).</a:t>
+            </a:r>
+          </a:p>
+          <a:p>
+            <a:r>
+              <a:rPr lang="fr-FR" dirty="0"/>
+              <a:t>Votre réponse est importante: prenez le temps d’y réfléchir!</a:t>
+            </a:r>
+          </a:p>
+          <a:p>
+            <a:r>
+              <a:rPr lang="fr-FR" dirty="0"/>
+              <a:t>Dans certains exercices, nous vous demanderons aussi d’indiquer l’effort que vous avez fourni pour mémoriser la grille.</a:t>
+            </a:r>
+          </a:p>
+        </p:txBody>
+      </p:sp>
+    </p:spTree>
+    <p:extLst>
+      <p:ext uri="{BB962C8B-B14F-4D97-AF65-F5344CB8AC3E}">
+        <p14:creationId xmlns:p14="http://schemas.microsoft.com/office/powerpoint/2010/main" val="3373185044"/>
+      </p:ext>
+    </p:extLst>
+  </p:cSld>
+  <p:clrMapOvr>
+    <a:masterClrMapping/>
+  </p:clrMapOvr>
+</p:sld>
+</file>
+
+<file path=ppt/slides/slide8.xml><?xml version="1.0" encoding="utf-8"?>
+<p:sld xmlns:a="http://schemas.openxmlformats.org/drawingml/2006/main" xmlns:r="http://schemas.openxmlformats.org/officeDocument/2006/relationships" xmlns:p="http://schemas.openxmlformats.org/presentationml/2006/main">
+  <p:cSld>
+    <p:spTree>
+      <p:nvGrpSpPr>
+        <p:cNvPr id="1" name=""/>
+        <p:cNvGrpSpPr/>
+        <p:nvPr/>
+      </p:nvGrpSpPr>
+      <p:grpSpPr>
+        <a:xfrm>
+          <a:off x="0" y="0"/>
+          <a:ext cx="0" cy="0"/>
+          <a:chOff x="0" y="0"/>
+          <a:chExt cx="0" cy="0"/>
+        </a:xfrm>
+      </p:grpSpPr>
+      <p:sp>
+        <p:nvSpPr>
+          <p:cNvPr id="2" name="Titre 1">
+            <a:extLst>
+              <a:ext uri="{FF2B5EF4-FFF2-40B4-BE49-F238E27FC236}">
                 <a16:creationId xmlns:a16="http://schemas.microsoft.com/office/drawing/2014/main" id="{29A59E31-DF2B-4E9C-8A3D-5BEE92C63376}"/>
               </a:ext>
             </a:extLst>
@@ -4521,7 +4596,7 @@
 </p:sld>
 </file>
 
-<file path=ppt/slides/slide8.xml><?xml version="1.0" encoding="utf-8"?>
+<file path=ppt/slides/slide9.xml><?xml version="1.0" encoding="utf-8"?>
 <p:sld xmlns:a="http://schemas.openxmlformats.org/drawingml/2006/main" xmlns:r="http://schemas.openxmlformats.org/officeDocument/2006/relationships" xmlns:p="http://schemas.openxmlformats.org/presentationml/2006/main">
   <p:cSld>
     <p:spTree>

--- a/src/SE2/Stimuli/Instructions_Rewarded.pptx
+++ b/src/SE2/Stimuli/Instructions_Rewarded.pptx
@@ -9,14 +9,14 @@
   </p:notesMasterIdLst>
   <p:sldIdLst>
     <p:sldId id="256" r:id="rId2"/>
-    <p:sldId id="257" r:id="rId3"/>
-    <p:sldId id="268" r:id="rId4"/>
-    <p:sldId id="258" r:id="rId5"/>
-    <p:sldId id="260" r:id="rId6"/>
-    <p:sldId id="261" r:id="rId7"/>
-    <p:sldId id="262" r:id="rId8"/>
-    <p:sldId id="263" r:id="rId9"/>
-    <p:sldId id="267" r:id="rId10"/>
+    <p:sldId id="258" r:id="rId3"/>
+    <p:sldId id="269" r:id="rId4"/>
+    <p:sldId id="260" r:id="rId5"/>
+    <p:sldId id="261" r:id="rId6"/>
+    <p:sldId id="262" r:id="rId7"/>
+    <p:sldId id="263" r:id="rId8"/>
+    <p:sldId id="267" r:id="rId9"/>
+    <p:sldId id="268" r:id="rId10"/>
   </p:sldIdLst>
   <p:sldSz cx="12192000" cy="6858000"/>
   <p:notesSz cx="6858000" cy="9144000"/>
@@ -205,7 +205,7 @@
           <a:p>
             <a:fld id="{62CC9F90-0A1B-4ABF-970D-CD45F3EE6569}" type="datetimeFigureOut">
               <a:rPr lang="fr-FR" smtClean="0"/>
-              <a:t>24/02/2022</a:t>
+              <a:t>27/02/2022</a:t>
             </a:fld>
             <a:endParaRPr lang="fr-FR"/>
           </a:p>
@@ -540,7 +540,7 @@
           <a:p>
             <a:fld id="{E8BC793C-F542-422D-B0F4-20EA999D0B3F}" type="slidenum">
               <a:rPr lang="fr-FR" smtClean="0"/>
-              <a:t>5</a:t>
+              <a:t>4</a:t>
             </a:fld>
             <a:endParaRPr lang="fr-FR"/>
           </a:p>
@@ -706,7 +706,7 @@
           <a:p>
             <a:fld id="{53BABFD8-D892-4D56-AE10-021BD01BA1FF}" type="datetimeFigureOut">
               <a:rPr lang="fr-FR" smtClean="0"/>
-              <a:t>24/02/2022</a:t>
+              <a:t>27/02/2022</a:t>
             </a:fld>
             <a:endParaRPr lang="fr-FR"/>
           </a:p>
@@ -904,7 +904,7 @@
           <a:p>
             <a:fld id="{53BABFD8-D892-4D56-AE10-021BD01BA1FF}" type="datetimeFigureOut">
               <a:rPr lang="fr-FR" smtClean="0"/>
-              <a:t>24/02/2022</a:t>
+              <a:t>27/02/2022</a:t>
             </a:fld>
             <a:endParaRPr lang="fr-FR"/>
           </a:p>
@@ -1112,7 +1112,7 @@
           <a:p>
             <a:fld id="{53BABFD8-D892-4D56-AE10-021BD01BA1FF}" type="datetimeFigureOut">
               <a:rPr lang="fr-FR" smtClean="0"/>
-              <a:t>24/02/2022</a:t>
+              <a:t>27/02/2022</a:t>
             </a:fld>
             <a:endParaRPr lang="fr-FR"/>
           </a:p>
@@ -1310,7 +1310,7 @@
           <a:p>
             <a:fld id="{53BABFD8-D892-4D56-AE10-021BD01BA1FF}" type="datetimeFigureOut">
               <a:rPr lang="fr-FR" smtClean="0"/>
-              <a:t>24/02/2022</a:t>
+              <a:t>27/02/2022</a:t>
             </a:fld>
             <a:endParaRPr lang="fr-FR"/>
           </a:p>
@@ -1585,7 +1585,7 @@
           <a:p>
             <a:fld id="{53BABFD8-D892-4D56-AE10-021BD01BA1FF}" type="datetimeFigureOut">
               <a:rPr lang="fr-FR" smtClean="0"/>
-              <a:t>24/02/2022</a:t>
+              <a:t>27/02/2022</a:t>
             </a:fld>
             <a:endParaRPr lang="fr-FR"/>
           </a:p>
@@ -1850,7 +1850,7 @@
           <a:p>
             <a:fld id="{53BABFD8-D892-4D56-AE10-021BD01BA1FF}" type="datetimeFigureOut">
               <a:rPr lang="fr-FR" smtClean="0"/>
-              <a:t>24/02/2022</a:t>
+              <a:t>27/02/2022</a:t>
             </a:fld>
             <a:endParaRPr lang="fr-FR"/>
           </a:p>
@@ -2262,7 +2262,7 @@
           <a:p>
             <a:fld id="{53BABFD8-D892-4D56-AE10-021BD01BA1FF}" type="datetimeFigureOut">
               <a:rPr lang="fr-FR" smtClean="0"/>
-              <a:t>24/02/2022</a:t>
+              <a:t>27/02/2022</a:t>
             </a:fld>
             <a:endParaRPr lang="fr-FR"/>
           </a:p>
@@ -2403,7 +2403,7 @@
           <a:p>
             <a:fld id="{53BABFD8-D892-4D56-AE10-021BD01BA1FF}" type="datetimeFigureOut">
               <a:rPr lang="fr-FR" smtClean="0"/>
-              <a:t>24/02/2022</a:t>
+              <a:t>27/02/2022</a:t>
             </a:fld>
             <a:endParaRPr lang="fr-FR"/>
           </a:p>
@@ -2516,7 +2516,7 @@
           <a:p>
             <a:fld id="{53BABFD8-D892-4D56-AE10-021BD01BA1FF}" type="datetimeFigureOut">
               <a:rPr lang="fr-FR" smtClean="0"/>
-              <a:t>24/02/2022</a:t>
+              <a:t>27/02/2022</a:t>
             </a:fld>
             <a:endParaRPr lang="fr-FR"/>
           </a:p>
@@ -2827,7 +2827,7 @@
           <a:p>
             <a:fld id="{53BABFD8-D892-4D56-AE10-021BD01BA1FF}" type="datetimeFigureOut">
               <a:rPr lang="fr-FR" smtClean="0"/>
-              <a:t>24/02/2022</a:t>
+              <a:t>27/02/2022</a:t>
             </a:fld>
             <a:endParaRPr lang="fr-FR"/>
           </a:p>
@@ -3115,7 +3115,7 @@
           <a:p>
             <a:fld id="{53BABFD8-D892-4D56-AE10-021BD01BA1FF}" type="datetimeFigureOut">
               <a:rPr lang="fr-FR" smtClean="0"/>
-              <a:t>24/02/2022</a:t>
+              <a:t>27/02/2022</a:t>
             </a:fld>
             <a:endParaRPr lang="fr-FR"/>
           </a:p>
@@ -3356,7 +3356,7 @@
           <a:p>
             <a:fld id="{53BABFD8-D892-4D56-AE10-021BD01BA1FF}" type="datetimeFigureOut">
               <a:rPr lang="fr-FR" smtClean="0"/>
-              <a:t>24/02/2022</a:t>
+              <a:t>27/02/2022</a:t>
             </a:fld>
             <a:endParaRPr lang="fr-FR"/>
           </a:p>
@@ -3864,7 +3864,7 @@
           <p:cNvPr id="2" name="Titre 1">
             <a:extLst>
               <a:ext uri="{FF2B5EF4-FFF2-40B4-BE49-F238E27FC236}">
-                <a16:creationId xmlns:a16="http://schemas.microsoft.com/office/drawing/2014/main" id="{D883859D-E412-4CC8-A97A-32C4561DB9BA}"/>
+                <a16:creationId xmlns:a16="http://schemas.microsoft.com/office/drawing/2014/main" id="{F0DEC139-24A4-4DEB-B1EE-979D93666792}"/>
               </a:ext>
             </a:extLst>
           </p:cNvPr>
@@ -3882,7 +3882,7 @@
           <a:p>
             <a:r>
               <a:rPr lang="fr-FR" dirty="0"/>
-              <a:t>Vidéo tuto (1 à 2 minutes)</a:t>
+              <a:t>Test de métacognition</a:t>
             </a:r>
           </a:p>
         </p:txBody>
@@ -3892,7 +3892,7 @@
           <p:cNvPr id="3" name="Espace réservé du contenu 2">
             <a:extLst>
               <a:ext uri="{FF2B5EF4-FFF2-40B4-BE49-F238E27FC236}">
-                <a16:creationId xmlns:a16="http://schemas.microsoft.com/office/drawing/2014/main" id="{BF82F6A5-1CC9-46E6-8447-40AE900C3694}"/>
+                <a16:creationId xmlns:a16="http://schemas.microsoft.com/office/drawing/2014/main" id="{64EDD8C3-8947-4AA0-A8E0-F243A3886896}"/>
               </a:ext>
             </a:extLst>
           </p:cNvPr>
@@ -3906,43 +3906,48 @@
         <p:spPr/>
         <p:txBody>
           <a:bodyPr>
-            <a:normAutofit fontScale="92500"/>
+            <a:normAutofit/>
           </a:bodyPr>
           <a:lstStyle/>
           <a:p>
             <a:r>
               <a:rPr lang="fr-FR" dirty="0"/>
-              <a:t>Définir la métacognition (capacité à auto-évaluer correctement votre fonctionnement mental)</a:t>
-            </a:r>
-          </a:p>
-          <a:p>
+              <a:t>Tout d’abord, nous vous remercions d’avoir accepté de participer à cette étude !</a:t>
+            </a:r>
+          </a:p>
+          <a:p>
+            <a:pPr lvl="1"/>
             <a:r>
               <a:rPr lang="fr-FR" dirty="0"/>
-              <a:t>Ce sera 27 exercices de mémoire</a:t>
-            </a:r>
-          </a:p>
-          <a:p>
+              <a:t>Notre programme de recherche consiste à étudier la métacognition, c’est-à-dire </a:t>
+            </a:r>
+            <a:r>
+              <a:rPr lang="fr-FR" b="1" dirty="0"/>
+              <a:t>l’aptitude de chacun à auto-évaluer ses capacités mentales</a:t>
+            </a:r>
             <a:r>
               <a:rPr lang="fr-FR" dirty="0"/>
-              <a:t>Ces exercices consisteront à mémoriser correctement l’emplacement de paires de chiffres sur la grille (voir ci-dessous) [afficher une grille 2*2].</a:t>
-            </a:r>
-          </a:p>
-          <a:p>
+              <a:t>.</a:t>
+            </a:r>
+          </a:p>
+          <a:p>
+            <a:pPr lvl="1"/>
             <a:r>
               <a:rPr lang="fr-FR" dirty="0"/>
-              <a:t>Plus il y aura de paires de chiffres, plus ce sera difficile de réussir l’exercice.</a:t>
-            </a:r>
-          </a:p>
-          <a:p>
+              <a:t>Vous ferez 27 exercices de mémorisation, qui consisteront à mémoriser l’emplacement de paires de chiffres disposés sur une grille. Plus il y aura de paires de chiffres à mémoriser, plus l’exercice sera difficile.</a:t>
+            </a:r>
+          </a:p>
+          <a:p>
+            <a:pPr lvl="1"/>
             <a:r>
               <a:rPr lang="fr-FR" dirty="0"/>
-              <a:t>Après chaque exercice, on vous donnera un retour sur votre performance, et on vous dira si vous avez réussi l’exercice ou non.</a:t>
+              <a:t>À la fin de chaque exercice, nous vous demanderons de vous auto-évaluer.</a:t>
             </a:r>
           </a:p>
           <a:p>
             <a:r>
               <a:rPr lang="fr-FR" dirty="0"/>
-              <a:t>Vous allez maintenant faire un exercice d’entraînement, où nous vous dirons ce qu’il faut faire à chaque étape</a:t>
+              <a:t>Vous allez maintenant réaliser un exercice d’entraînement.</a:t>
             </a:r>
           </a:p>
         </p:txBody>
@@ -3950,7 +3955,7 @@
     </p:spTree>
     <p:extLst>
       <p:ext uri="{BB962C8B-B14F-4D97-AF65-F5344CB8AC3E}">
-        <p14:creationId xmlns:p14="http://schemas.microsoft.com/office/powerpoint/2010/main" val="1108197455"/>
+        <p14:creationId xmlns:p14="http://schemas.microsoft.com/office/powerpoint/2010/main" val="2096796742"/>
       </p:ext>
     </p:extLst>
   </p:cSld>
@@ -3979,52 +3984,125 @@
       </p:grpSpPr>
       <p:sp>
         <p:nvSpPr>
-          <p:cNvPr id="5" name="TextBox 4">
-            <a:extLst>
-              <a:ext uri="{FF2B5EF4-FFF2-40B4-BE49-F238E27FC236}">
-                <a16:creationId xmlns:a16="http://schemas.microsoft.com/office/drawing/2014/main" id="{1706A04E-CC78-47AF-92CF-9D7713E7DC2C}"/>
-              </a:ext>
-            </a:extLst>
-          </p:cNvPr>
-          <p:cNvSpPr txBox="1"/>
-          <p:nvPr/>
-        </p:nvSpPr>
-        <p:spPr>
-          <a:xfrm>
-            <a:off x="2359025" y="2967335"/>
-            <a:ext cx="7473950" cy="923330"/>
-          </a:xfrm>
-          <a:prstGeom prst="rect">
-            <a:avLst/>
-          </a:prstGeom>
-          <a:noFill/>
-        </p:spPr>
-        <p:txBody>
-          <a:bodyPr wrap="square">
-            <a:spAutoFit/>
+          <p:cNvPr id="2" name="Titre 1">
+            <a:extLst>
+              <a:ext uri="{FF2B5EF4-FFF2-40B4-BE49-F238E27FC236}">
+                <a16:creationId xmlns:a16="http://schemas.microsoft.com/office/drawing/2014/main" id="{F0DEC139-24A4-4DEB-B1EE-979D93666792}"/>
+              </a:ext>
+            </a:extLst>
+          </p:cNvPr>
+          <p:cNvSpPr>
+            <a:spLocks noGrp="1"/>
+          </p:cNvSpPr>
+          <p:nvPr>
+            <p:ph type="title"/>
+          </p:nvPr>
+        </p:nvSpPr>
+        <p:spPr/>
+        <p:txBody>
+          <a:bodyPr/>
+          <a:lstStyle/>
+          <a:p>
+            <a:r>
+              <a:rPr lang="fr-FR" dirty="0" err="1"/>
+              <a:t>Etape</a:t>
+            </a:r>
+            <a:r>
+              <a:rPr lang="fr-FR" dirty="0"/>
+              <a:t> 1 : Choix du temps de mémorisation</a:t>
+            </a:r>
+          </a:p>
+        </p:txBody>
+      </p:sp>
+      <p:sp>
+        <p:nvSpPr>
+          <p:cNvPr id="3" name="Espace réservé du contenu 2">
+            <a:extLst>
+              <a:ext uri="{FF2B5EF4-FFF2-40B4-BE49-F238E27FC236}">
+                <a16:creationId xmlns:a16="http://schemas.microsoft.com/office/drawing/2014/main" id="{64EDD8C3-8947-4AA0-A8E0-F243A3886896}"/>
+              </a:ext>
+            </a:extLst>
+          </p:cNvPr>
+          <p:cNvSpPr>
+            <a:spLocks noGrp="1"/>
+          </p:cNvSpPr>
+          <p:nvPr>
+            <p:ph idx="1"/>
+          </p:nvPr>
+        </p:nvSpPr>
+        <p:spPr/>
+        <p:txBody>
+          <a:bodyPr>
+            <a:normAutofit/>
           </a:bodyPr>
           <a:lstStyle/>
           <a:p>
-            <a:pPr algn="ctr"/>
-            <a:r>
-              <a:rPr lang="fr-FR" sz="1800" dirty="0"/>
-              <a:t>Ayant déjà mené une version similaire de cette expérience, nous pourrons détecter si vous avez triché lors d'un exercice et </a:t>
-            </a:r>
-            <a:r>
-              <a:rPr lang="fr-FR" sz="1800" b="1" dirty="0"/>
-              <a:t>vous ne recevrez pas de paiement </a:t>
-            </a:r>
-            <a:r>
-              <a:rPr lang="fr-FR" sz="1800" dirty="0"/>
-              <a:t>si nous soupçonnons que c'est le cas.</a:t>
-            </a:r>
+            <a:r>
+              <a:rPr lang="fr-FR" dirty="0"/>
+              <a:t>Pour chaque exercice, il y a un </a:t>
+            </a:r>
+            <a:r>
+              <a:rPr lang="fr-FR" b="1" dirty="0"/>
+              <a:t>objectif</a:t>
+            </a:r>
+            <a:r>
+              <a:rPr lang="fr-FR" dirty="0"/>
+              <a:t> et un </a:t>
+            </a:r>
+            <a:r>
+              <a:rPr lang="fr-FR" b="1" dirty="0"/>
+              <a:t>bonus</a:t>
+            </a:r>
+            <a:r>
+              <a:rPr lang="fr-FR" dirty="0"/>
+              <a:t>:</a:t>
+            </a:r>
+          </a:p>
+          <a:p>
+            <a:pPr lvl="1"/>
+            <a:r>
+              <a:rPr lang="fr-FR" dirty="0"/>
+              <a:t>L’</a:t>
+            </a:r>
+            <a:r>
+              <a:rPr lang="fr-FR" b="1" dirty="0"/>
+              <a:t>objectif</a:t>
+            </a:r>
+            <a:r>
+              <a:rPr lang="fr-FR" dirty="0"/>
+              <a:t> est le nombre de paires que vous devez mémoriser pour réussir l’exercice (4, 6 ou 8). </a:t>
+            </a:r>
+          </a:p>
+          <a:p>
+            <a:pPr lvl="1"/>
+            <a:r>
+              <a:rPr lang="fr-FR" dirty="0"/>
+              <a:t>Le </a:t>
+            </a:r>
+            <a:r>
+              <a:rPr lang="fr-FR" b="1" dirty="0"/>
+              <a:t>bonus</a:t>
+            </a:r>
+            <a:r>
+              <a:rPr lang="fr-FR" dirty="0"/>
+              <a:t> est le nombre de points que vous obtenez si vous atteignez l’objectif (1, 10 ou 100). Attention: votre rétribution financière dépend du total de points que vous aurez obtenu (sur les 27 exercices).</a:t>
+            </a:r>
+          </a:p>
+          <a:p>
+            <a:r>
+              <a:rPr lang="fr-FR" dirty="0"/>
+              <a:t>Avant chaque exercice, nous vous afficherons l’objectif et le bonus. Vous nous indiquerez alors combien de temps vous souhaitez voir la grille (entre 0 et 60 secondes).</a:t>
+            </a:r>
+          </a:p>
+          <a:p>
+            <a:endParaRPr lang="fr-FR" dirty="0"/>
           </a:p>
         </p:txBody>
       </p:sp>
     </p:spTree>
     <p:extLst>
       <p:ext uri="{BB962C8B-B14F-4D97-AF65-F5344CB8AC3E}">
-        <p14:creationId xmlns:p14="http://schemas.microsoft.com/office/powerpoint/2010/main" val="3191004904"/>
+        <p14:creationId xmlns:p14="http://schemas.microsoft.com/office/powerpoint/2010/main" val="2089090156"/>
       </p:ext>
     </p:extLst>
   </p:cSld>
@@ -4056,7 +4134,7 @@
           <p:cNvPr id="2" name="Titre 1">
             <a:extLst>
               <a:ext uri="{FF2B5EF4-FFF2-40B4-BE49-F238E27FC236}">
-                <a16:creationId xmlns:a16="http://schemas.microsoft.com/office/drawing/2014/main" id="{F0DEC139-24A4-4DEB-B1EE-979D93666792}"/>
+                <a16:creationId xmlns:a16="http://schemas.microsoft.com/office/drawing/2014/main" id="{76B8D6B4-83C0-46FD-881F-59DD88440335}"/>
               </a:ext>
             </a:extLst>
           </p:cNvPr>
@@ -4078,7 +4156,7 @@
             </a:r>
             <a:r>
               <a:rPr lang="fr-FR" dirty="0"/>
-              <a:t> 1 : Choix du temps de mémorisation</a:t>
+              <a:t> 2 : Mémorisation</a:t>
             </a:r>
           </a:p>
         </p:txBody>
@@ -4088,7 +4166,7 @@
           <p:cNvPr id="3" name="Espace réservé du contenu 2">
             <a:extLst>
               <a:ext uri="{FF2B5EF4-FFF2-40B4-BE49-F238E27FC236}">
-                <a16:creationId xmlns:a16="http://schemas.microsoft.com/office/drawing/2014/main" id="{64EDD8C3-8947-4AA0-A8E0-F243A3886896}"/>
+                <a16:creationId xmlns:a16="http://schemas.microsoft.com/office/drawing/2014/main" id="{8B93E548-1B3B-4A44-B176-F3BDBE33AD91}"/>
               </a:ext>
             </a:extLst>
           </p:cNvPr>
@@ -4101,77 +4179,26 @@
         </p:nvSpPr>
         <p:spPr/>
         <p:txBody>
-          <a:bodyPr>
-            <a:normAutofit/>
-          </a:bodyPr>
+          <a:bodyPr/>
           <a:lstStyle/>
           <a:p>
             <a:r>
               <a:rPr lang="fr-FR" dirty="0"/>
-              <a:t>Pour chaque exercice, il y a un </a:t>
-            </a:r>
-            <a:r>
-              <a:rPr lang="fr-FR" b="1" dirty="0"/>
-              <a:t>objectif</a:t>
-            </a:r>
+              <a:t>Nous allons maintenant vous montrer la grille (pendant le temps que vous nous avez indiqué).</a:t>
+            </a:r>
+          </a:p>
+          <a:p>
             <a:r>
               <a:rPr lang="fr-FR" dirty="0"/>
-              <a:t> et un </a:t>
-            </a:r>
-            <a:r>
-              <a:rPr lang="fr-FR" b="1" dirty="0"/>
-              <a:t>bonus</a:t>
-            </a:r>
-            <a:r>
-              <a:rPr lang="fr-FR" dirty="0"/>
-              <a:t>:</a:t>
-            </a:r>
-          </a:p>
-          <a:p>
-            <a:pPr lvl="1"/>
-            <a:r>
-              <a:rPr lang="fr-FR" dirty="0"/>
-              <a:t>L’</a:t>
-            </a:r>
-            <a:r>
-              <a:rPr lang="fr-FR" b="1" dirty="0"/>
-              <a:t>objectif</a:t>
-            </a:r>
-            <a:r>
-              <a:rPr lang="fr-FR" dirty="0"/>
-              <a:t> est le nombre de paires que vous devez mémoriser pour réussir l’exercice (4, 6 ou 8). </a:t>
-            </a:r>
-          </a:p>
-          <a:p>
-            <a:pPr lvl="1"/>
-            <a:r>
-              <a:rPr lang="fr-FR" dirty="0"/>
-              <a:t>Le </a:t>
-            </a:r>
-            <a:r>
-              <a:rPr lang="fr-FR" b="1" dirty="0"/>
-              <a:t>bonus</a:t>
-            </a:r>
-            <a:r>
-              <a:rPr lang="fr-FR" dirty="0"/>
-              <a:t> est le nombre de points que vous obtenez si vous atteignez l’objectif (1, 10 ou 100). Attention: votre rétribution financière dépend du total de points que vous aurez obtenu (sur les 27 exercices).</a:t>
-            </a:r>
-          </a:p>
-          <a:p>
-            <a:r>
-              <a:rPr lang="fr-FR" dirty="0"/>
-              <a:t>Avant chaque exercice, nous vous afficherons l’objectif et le bonus. Vous nous indiquerez alors combien de temps vous souhaitez voir la grille (entre 0 et 60 secondes).</a:t>
-            </a:r>
-          </a:p>
-          <a:p>
-            <a:endParaRPr lang="fr-FR" dirty="0"/>
+              <a:t>Pour atteindre l’objectif, vous devez mémoriser l’emplacement de toutes les paires de chiffres affichées sur la grille.</a:t>
+            </a:r>
           </a:p>
         </p:txBody>
       </p:sp>
     </p:spTree>
     <p:extLst>
       <p:ext uri="{BB962C8B-B14F-4D97-AF65-F5344CB8AC3E}">
-        <p14:creationId xmlns:p14="http://schemas.microsoft.com/office/powerpoint/2010/main" val="2096796742"/>
+        <p14:creationId xmlns:p14="http://schemas.microsoft.com/office/powerpoint/2010/main" val="44375301"/>
       </p:ext>
     </p:extLst>
   </p:cSld>
@@ -4203,7 +4230,7 @@
           <p:cNvPr id="2" name="Titre 1">
             <a:extLst>
               <a:ext uri="{FF2B5EF4-FFF2-40B4-BE49-F238E27FC236}">
-                <a16:creationId xmlns:a16="http://schemas.microsoft.com/office/drawing/2014/main" id="{76B8D6B4-83C0-46FD-881F-59DD88440335}"/>
+                <a16:creationId xmlns:a16="http://schemas.microsoft.com/office/drawing/2014/main" id="{3D9434FB-C73E-49EC-8798-CFAAA1FDCEDF}"/>
               </a:ext>
             </a:extLst>
           </p:cNvPr>
@@ -4225,7 +4252,7 @@
             </a:r>
             <a:r>
               <a:rPr lang="fr-FR" dirty="0"/>
-              <a:t> 2 : Mémorisation</a:t>
+              <a:t> 3 : Test </a:t>
             </a:r>
           </a:p>
         </p:txBody>
@@ -4235,7 +4262,7 @@
           <p:cNvPr id="3" name="Espace réservé du contenu 2">
             <a:extLst>
               <a:ext uri="{FF2B5EF4-FFF2-40B4-BE49-F238E27FC236}">
-                <a16:creationId xmlns:a16="http://schemas.microsoft.com/office/drawing/2014/main" id="{8B93E548-1B3B-4A44-B176-F3BDBE33AD91}"/>
+                <a16:creationId xmlns:a16="http://schemas.microsoft.com/office/drawing/2014/main" id="{2A2EE7A3-8CD1-4A74-9A23-D224A3CB8DD3}"/>
               </a:ext>
             </a:extLst>
           </p:cNvPr>
@@ -4248,18 +4275,32 @@
         </p:nvSpPr>
         <p:spPr/>
         <p:txBody>
-          <a:bodyPr/>
+          <a:bodyPr>
+            <a:normAutofit/>
+          </a:bodyPr>
           <a:lstStyle/>
           <a:p>
             <a:r>
               <a:rPr lang="fr-FR" dirty="0"/>
-              <a:t>Nous allons maintenant vous montrer la grille (pendant le temps que vous nous avez indiqué).</a:t>
+              <a:t>Nous allons maintenant tester votre mémoire.</a:t>
             </a:r>
           </a:p>
           <a:p>
             <a:r>
               <a:rPr lang="fr-FR" dirty="0"/>
-              <a:t>Pour atteindre l’objectif, vous devez mémoriser l’emplacement de toutes les paires de chiffres affichées sur la grille.</a:t>
+              <a:t>Pour chaque paire, nous vous montrerons l’un des chiffres, et vous devrez cliquer sur l’emplacement de l’autre chiffre.</a:t>
+            </a:r>
+          </a:p>
+          <a:p>
+            <a:r>
+              <a:rPr lang="fr-FR" dirty="0"/>
+              <a:t>Si vous être sûr de votre réponse, cliquez sur « Ok je suis sûr » ; sinon, cliquez sur « Ok mais je ne suis pas sûr ».</a:t>
+            </a:r>
+          </a:p>
+          <a:p>
+            <a:r>
+              <a:rPr lang="fr-FR" dirty="0"/>
+              <a:t>Nous testerons alors la prochaine paire (et ainsi de suite...).</a:t>
             </a:r>
           </a:p>
         </p:txBody>
@@ -4267,7 +4308,7 @@
     </p:spTree>
     <p:extLst>
       <p:ext uri="{BB962C8B-B14F-4D97-AF65-F5344CB8AC3E}">
-        <p14:creationId xmlns:p14="http://schemas.microsoft.com/office/powerpoint/2010/main" val="44375301"/>
+        <p14:creationId xmlns:p14="http://schemas.microsoft.com/office/powerpoint/2010/main" val="1776127479"/>
       </p:ext>
     </p:extLst>
   </p:cSld>
@@ -4299,7 +4340,7 @@
           <p:cNvPr id="2" name="Titre 1">
             <a:extLst>
               <a:ext uri="{FF2B5EF4-FFF2-40B4-BE49-F238E27FC236}">
-                <a16:creationId xmlns:a16="http://schemas.microsoft.com/office/drawing/2014/main" id="{3D9434FB-C73E-49EC-8798-CFAAA1FDCEDF}"/>
+                <a16:creationId xmlns:a16="http://schemas.microsoft.com/office/drawing/2014/main" id="{A867B0E4-F325-40E8-9485-8FC63A43F669}"/>
               </a:ext>
             </a:extLst>
           </p:cNvPr>
@@ -4321,7 +4362,7 @@
             </a:r>
             <a:r>
               <a:rPr lang="fr-FR" dirty="0"/>
-              <a:t> 3 : Test </a:t>
+              <a:t> 4 : Auto-évaluation</a:t>
             </a:r>
           </a:p>
         </p:txBody>
@@ -4331,7 +4372,7 @@
           <p:cNvPr id="3" name="Espace réservé du contenu 2">
             <a:extLst>
               <a:ext uri="{FF2B5EF4-FFF2-40B4-BE49-F238E27FC236}">
-                <a16:creationId xmlns:a16="http://schemas.microsoft.com/office/drawing/2014/main" id="{2A2EE7A3-8CD1-4A74-9A23-D224A3CB8DD3}"/>
+                <a16:creationId xmlns:a16="http://schemas.microsoft.com/office/drawing/2014/main" id="{3323603C-DB55-430E-BCD3-A096CD7D14A6}"/>
               </a:ext>
             </a:extLst>
           </p:cNvPr>
@@ -4344,32 +4385,24 @@
         </p:nvSpPr>
         <p:spPr/>
         <p:txBody>
-          <a:bodyPr>
-            <a:normAutofit/>
-          </a:bodyPr>
+          <a:bodyPr/>
           <a:lstStyle/>
           <a:p>
             <a:r>
               <a:rPr lang="fr-FR" dirty="0"/>
-              <a:t>Nous allons maintenant tester votre mémoire.</a:t>
+              <a:t>Nous allons maintenant vous demander d’indiquer le nombre d’emplacements que vous pensez avoir correctement retrouvés.</a:t>
             </a:r>
           </a:p>
           <a:p>
             <a:r>
               <a:rPr lang="fr-FR" dirty="0"/>
-              <a:t>Pour chaque paire, nous vous montrerons l’un des chiffres, et vous devrez cliquer sur l’emplacement de l’autre chiffre.</a:t>
+              <a:t>Votre réponse est importante: prenez le temps d’y réfléchir!</a:t>
             </a:r>
           </a:p>
           <a:p>
             <a:r>
               <a:rPr lang="fr-FR" dirty="0"/>
-              <a:t>Si vous être sûr de votre réponse, cliquez sur « Ok je suis sûr » ; sinon, cliquez sur « Ok mais je ne suis pas sûr ».</a:t>
-            </a:r>
-          </a:p>
-          <a:p>
-            <a:r>
-              <a:rPr lang="fr-FR" dirty="0"/>
-              <a:t>Nous testerons alors la prochaine paire (et ainsi de suite...).</a:t>
+              <a:t>Dans certains exercices, nous vous demanderons aussi d’indiquer l’effort que vous avez fourni pour mémoriser la grille.</a:t>
             </a:r>
           </a:p>
         </p:txBody>
@@ -4377,7 +4410,7 @@
     </p:spTree>
     <p:extLst>
       <p:ext uri="{BB962C8B-B14F-4D97-AF65-F5344CB8AC3E}">
-        <p14:creationId xmlns:p14="http://schemas.microsoft.com/office/powerpoint/2010/main" val="1776127479"/>
+        <p14:creationId xmlns:p14="http://schemas.microsoft.com/office/powerpoint/2010/main" val="3373185044"/>
       </p:ext>
     </p:extLst>
   </p:cSld>
@@ -4409,7 +4442,7 @@
           <p:cNvPr id="2" name="Titre 1">
             <a:extLst>
               <a:ext uri="{FF2B5EF4-FFF2-40B4-BE49-F238E27FC236}">
-                <a16:creationId xmlns:a16="http://schemas.microsoft.com/office/drawing/2014/main" id="{A867B0E4-F325-40E8-9485-8FC63A43F669}"/>
+                <a16:creationId xmlns:a16="http://schemas.microsoft.com/office/drawing/2014/main" id="{29A59E31-DF2B-4E9C-8A3D-5BEE92C63376}"/>
               </a:ext>
             </a:extLst>
           </p:cNvPr>
@@ -4431,8 +4464,13 @@
             </a:r>
             <a:r>
               <a:rPr lang="fr-FR" dirty="0"/>
-              <a:t> 4 : Auto-évaluation</a:t>
-            </a:r>
+              <a:t> 5 : Résultat </a:t>
+            </a:r>
+            <a:r>
+              <a:rPr lang="fr-FR"/>
+              <a:t>à l’exercice</a:t>
+            </a:r>
+            <a:endParaRPr lang="fr-FR" dirty="0"/>
           </a:p>
         </p:txBody>
       </p:sp>
@@ -4441,7 +4479,7 @@
           <p:cNvPr id="3" name="Espace réservé du contenu 2">
             <a:extLst>
               <a:ext uri="{FF2B5EF4-FFF2-40B4-BE49-F238E27FC236}">
-                <a16:creationId xmlns:a16="http://schemas.microsoft.com/office/drawing/2014/main" id="{3323603C-DB55-430E-BCD3-A096CD7D14A6}"/>
+                <a16:creationId xmlns:a16="http://schemas.microsoft.com/office/drawing/2014/main" id="{6DB9AA4B-A0CE-4F18-89CC-22273534AE65}"/>
               </a:ext>
             </a:extLst>
           </p:cNvPr>
@@ -4459,27 +4497,27 @@
           <a:p>
             <a:r>
               <a:rPr lang="fr-FR" dirty="0"/>
-              <a:t>Nous allons maintenant vous demander d’indiquer le nombre d’emplacements que vous pensez avoir correctement retrouvés (cliquez sur le bouton correspondant).</a:t>
+              <a:t>Nous allons maintenant vous indiquer le nombre d’emplacements que vous avez correctement retrouvé.</a:t>
             </a:r>
           </a:p>
           <a:p>
             <a:r>
               <a:rPr lang="fr-FR" dirty="0"/>
-              <a:t>Votre réponse est importante: prenez le temps d’y réfléchir!</a:t>
-            </a:r>
-          </a:p>
-          <a:p>
-            <a:r>
-              <a:rPr lang="fr-FR" dirty="0"/>
-              <a:t>Dans certains exercices, nous vous demanderons aussi d’indiquer l’effort que vous avez fourni pour mémoriser la grille.</a:t>
-            </a:r>
+              <a:t>Si vous souhaitez revoir vos réponses, cliquez sur « montrez-moi la grille ». Les paires correctement retrouvées seront indiquées en vert, et les autres en rouge.</a:t>
+            </a:r>
+          </a:p>
+          <a:p>
+            <a:pPr marL="0" indent="0">
+              <a:buNone/>
+            </a:pPr>
+            <a:endParaRPr lang="fr-FR" dirty="0"/>
           </a:p>
         </p:txBody>
       </p:sp>
     </p:spTree>
     <p:extLst>
       <p:ext uri="{BB962C8B-B14F-4D97-AF65-F5344CB8AC3E}">
-        <p14:creationId xmlns:p14="http://schemas.microsoft.com/office/powerpoint/2010/main" val="3373185044"/>
+        <p14:creationId xmlns:p14="http://schemas.microsoft.com/office/powerpoint/2010/main" val="1387953452"/>
       </p:ext>
     </p:extLst>
   </p:cSld>
@@ -4508,113 +4546,6 @@
       </p:grpSpPr>
       <p:sp>
         <p:nvSpPr>
-          <p:cNvPr id="2" name="Titre 1">
-            <a:extLst>
-              <a:ext uri="{FF2B5EF4-FFF2-40B4-BE49-F238E27FC236}">
-                <a16:creationId xmlns:a16="http://schemas.microsoft.com/office/drawing/2014/main" id="{29A59E31-DF2B-4E9C-8A3D-5BEE92C63376}"/>
-              </a:ext>
-            </a:extLst>
-          </p:cNvPr>
-          <p:cNvSpPr>
-            <a:spLocks noGrp="1"/>
-          </p:cNvSpPr>
-          <p:nvPr>
-            <p:ph type="title"/>
-          </p:nvPr>
-        </p:nvSpPr>
-        <p:spPr/>
-        <p:txBody>
-          <a:bodyPr/>
-          <a:lstStyle/>
-          <a:p>
-            <a:r>
-              <a:rPr lang="fr-FR" dirty="0" err="1"/>
-              <a:t>Etape</a:t>
-            </a:r>
-            <a:r>
-              <a:rPr lang="fr-FR" dirty="0"/>
-              <a:t> 5 : Résultat </a:t>
-            </a:r>
-            <a:r>
-              <a:rPr lang="fr-FR"/>
-              <a:t>à l’exercice</a:t>
-            </a:r>
-            <a:endParaRPr lang="fr-FR" dirty="0"/>
-          </a:p>
-        </p:txBody>
-      </p:sp>
-      <p:sp>
-        <p:nvSpPr>
-          <p:cNvPr id="3" name="Espace réservé du contenu 2">
-            <a:extLst>
-              <a:ext uri="{FF2B5EF4-FFF2-40B4-BE49-F238E27FC236}">
-                <a16:creationId xmlns:a16="http://schemas.microsoft.com/office/drawing/2014/main" id="{6DB9AA4B-A0CE-4F18-89CC-22273534AE65}"/>
-              </a:ext>
-            </a:extLst>
-          </p:cNvPr>
-          <p:cNvSpPr>
-            <a:spLocks noGrp="1"/>
-          </p:cNvSpPr>
-          <p:nvPr>
-            <p:ph idx="1"/>
-          </p:nvPr>
-        </p:nvSpPr>
-        <p:spPr/>
-        <p:txBody>
-          <a:bodyPr/>
-          <a:lstStyle/>
-          <a:p>
-            <a:r>
-              <a:rPr lang="fr-FR" dirty="0"/>
-              <a:t>Nous allons maintenant vous indiquer le nombre d’emplacements que vous avez correctement retrouvé.</a:t>
-            </a:r>
-          </a:p>
-          <a:p>
-            <a:r>
-              <a:rPr lang="fr-FR" dirty="0"/>
-              <a:t>Si vous souhaitez revoir vos réponses, cliquez sur « montrez-moi la grille ». Les paires correctement retrouvées seront indiquées en vert, et les autres en rouge.</a:t>
-            </a:r>
-          </a:p>
-          <a:p>
-            <a:pPr marL="0" indent="0">
-              <a:buNone/>
-            </a:pPr>
-            <a:endParaRPr lang="fr-FR" dirty="0"/>
-          </a:p>
-        </p:txBody>
-      </p:sp>
-    </p:spTree>
-    <p:extLst>
-      <p:ext uri="{BB962C8B-B14F-4D97-AF65-F5344CB8AC3E}">
-        <p14:creationId xmlns:p14="http://schemas.microsoft.com/office/powerpoint/2010/main" val="1387953452"/>
-      </p:ext>
-    </p:extLst>
-  </p:cSld>
-  <p:clrMapOvr>
-    <a:masterClrMapping/>
-  </p:clrMapOvr>
-</p:sld>
-</file>
-
-<file path=ppt/slides/slide9.xml><?xml version="1.0" encoding="utf-8"?>
-<p:sld xmlns:a="http://schemas.openxmlformats.org/drawingml/2006/main" xmlns:r="http://schemas.openxmlformats.org/officeDocument/2006/relationships" xmlns:p="http://schemas.openxmlformats.org/presentationml/2006/main">
-  <p:cSld>
-    <p:spTree>
-      <p:nvGrpSpPr>
-        <p:cNvPr id="1" name=""/>
-        <p:cNvGrpSpPr/>
-        <p:nvPr/>
-      </p:nvGrpSpPr>
-      <p:grpSpPr>
-        <a:xfrm>
-          <a:off x="0" y="0"/>
-          <a:ext cx="0" cy="0"/>
-          <a:chOff x="0" y="0"/>
-          <a:chExt cx="0" cy="0"/>
-        </a:xfrm>
-      </p:grpSpPr>
-      <p:sp>
-        <p:nvSpPr>
           <p:cNvPr id="5" name="ZoneTexte 4"/>
           <p:cNvSpPr txBox="1"/>
           <p:nvPr/>
@@ -4662,9 +4593,9 @@
         <p:grpSpPr>
           <a:xfrm>
             <a:off x="1323248" y="1065163"/>
-            <a:ext cx="9257828" cy="5632311"/>
+            <a:ext cx="9257828" cy="4524315"/>
             <a:chOff x="1323248" y="1210306"/>
-            <a:chExt cx="9257828" cy="5632311"/>
+            <a:chExt cx="9257828" cy="4524315"/>
           </a:xfrm>
         </p:grpSpPr>
         <p:sp>
@@ -4676,7 +4607,7 @@
           <p:spPr>
             <a:xfrm>
               <a:off x="1323248" y="1210306"/>
-              <a:ext cx="9257828" cy="5632311"/>
+              <a:ext cx="9257828" cy="4524315"/>
             </a:xfrm>
             <a:prstGeom prst="rect">
               <a:avLst/>
@@ -4806,18 +4737,11 @@
             </a:p>
             <a:p>
               <a:pPr algn="ctr"/>
-              <a:endParaRPr lang="en-GB" sz="2400" dirty="0"/>
-            </a:p>
-            <a:p>
-              <a:pPr algn="ctr"/>
-              <a:endParaRPr lang="en-GB" sz="2400" dirty="0"/>
-            </a:p>
-            <a:p>
-              <a:pPr algn="ctr"/>
               <a:r>
-                <a:rPr lang="fr-FR" sz="2400" dirty="0"/>
-                <a:t>Lorsque vous êtes prêt à commencer l’expérience principale, cliquez sur le bouton « c’est parti » !</a:t>
+                <a:rPr lang="fr-FR" sz="2400"/>
+                <a:t>L'exercice d'entraînement est terminé.</a:t>
               </a:r>
+              <a:endParaRPr lang="fr-FR" sz="2400" dirty="0"/>
             </a:p>
           </p:txBody>
         </p:sp>
@@ -4914,6 +4838,80 @@
     <p:extLst>
       <p:ext uri="{BB962C8B-B14F-4D97-AF65-F5344CB8AC3E}">
         <p14:creationId xmlns:p14="http://schemas.microsoft.com/office/powerpoint/2010/main" val="2686243724"/>
+      </p:ext>
+    </p:extLst>
+  </p:cSld>
+  <p:clrMapOvr>
+    <a:masterClrMapping/>
+  </p:clrMapOvr>
+</p:sld>
+</file>
+
+<file path=ppt/slides/slide9.xml><?xml version="1.0" encoding="utf-8"?>
+<p:sld xmlns:a="http://schemas.openxmlformats.org/drawingml/2006/main" xmlns:r="http://schemas.openxmlformats.org/officeDocument/2006/relationships" xmlns:p="http://schemas.openxmlformats.org/presentationml/2006/main">
+  <p:cSld>
+    <p:spTree>
+      <p:nvGrpSpPr>
+        <p:cNvPr id="1" name=""/>
+        <p:cNvGrpSpPr/>
+        <p:nvPr/>
+      </p:nvGrpSpPr>
+      <p:grpSpPr>
+        <a:xfrm>
+          <a:off x="0" y="0"/>
+          <a:ext cx="0" cy="0"/>
+          <a:chOff x="0" y="0"/>
+          <a:chExt cx="0" cy="0"/>
+        </a:xfrm>
+      </p:grpSpPr>
+      <p:sp>
+        <p:nvSpPr>
+          <p:cNvPr id="5" name="TextBox 4">
+            <a:extLst>
+              <a:ext uri="{FF2B5EF4-FFF2-40B4-BE49-F238E27FC236}">
+                <a16:creationId xmlns:a16="http://schemas.microsoft.com/office/drawing/2014/main" id="{1706A04E-CC78-47AF-92CF-9D7713E7DC2C}"/>
+              </a:ext>
+            </a:extLst>
+          </p:cNvPr>
+          <p:cNvSpPr txBox="1"/>
+          <p:nvPr/>
+        </p:nvSpPr>
+        <p:spPr>
+          <a:xfrm>
+            <a:off x="2359025" y="2967335"/>
+            <a:ext cx="7473950" cy="923330"/>
+          </a:xfrm>
+          <a:prstGeom prst="rect">
+            <a:avLst/>
+          </a:prstGeom>
+          <a:noFill/>
+        </p:spPr>
+        <p:txBody>
+          <a:bodyPr wrap="square">
+            <a:spAutoFit/>
+          </a:bodyPr>
+          <a:lstStyle/>
+          <a:p>
+            <a:pPr algn="ctr"/>
+            <a:r>
+              <a:rPr lang="fr-FR" sz="1800" dirty="0"/>
+              <a:t>Ayant déjà mené une version similaire de cette expérience, nous pourrons détecter si vous avez triché lors d'un exercice et </a:t>
+            </a:r>
+            <a:r>
+              <a:rPr lang="fr-FR" sz="1800" b="1" dirty="0"/>
+              <a:t>vous ne recevrez pas de paiement </a:t>
+            </a:r>
+            <a:r>
+              <a:rPr lang="fr-FR" sz="1800" dirty="0"/>
+              <a:t>si nous soupçonnons que c'est le cas.</a:t>
+            </a:r>
+          </a:p>
+        </p:txBody>
+      </p:sp>
+    </p:spTree>
+    <p:extLst>
+      <p:ext uri="{BB962C8B-B14F-4D97-AF65-F5344CB8AC3E}">
+        <p14:creationId xmlns:p14="http://schemas.microsoft.com/office/powerpoint/2010/main" val="3191004904"/>
       </p:ext>
     </p:extLst>
   </p:cSld>

--- a/src/SE2/Stimuli/Instructions_Rewarded.pptx
+++ b/src/SE2/Stimuli/Instructions_Rewarded.pptx
@@ -5,7 +5,7 @@
     <p:sldMasterId id="2147483648" r:id="rId1"/>
   </p:sldMasterIdLst>
   <p:notesMasterIdLst>
-    <p:notesMasterId r:id="rId11"/>
+    <p:notesMasterId r:id="rId10"/>
   </p:notesMasterIdLst>
   <p:sldIdLst>
     <p:sldId id="256" r:id="rId2"/>
@@ -16,7 +16,6 @@
     <p:sldId id="262" r:id="rId7"/>
     <p:sldId id="263" r:id="rId8"/>
     <p:sldId id="267" r:id="rId9"/>
-    <p:sldId id="268" r:id="rId10"/>
   </p:sldIdLst>
   <p:sldSz cx="12192000" cy="6858000"/>
   <p:notesSz cx="6858000" cy="9144000"/>
@@ -4838,80 +4837,6 @@
     <p:extLst>
       <p:ext uri="{BB962C8B-B14F-4D97-AF65-F5344CB8AC3E}">
         <p14:creationId xmlns:p14="http://schemas.microsoft.com/office/powerpoint/2010/main" val="2686243724"/>
-      </p:ext>
-    </p:extLst>
-  </p:cSld>
-  <p:clrMapOvr>
-    <a:masterClrMapping/>
-  </p:clrMapOvr>
-</p:sld>
-</file>
-
-<file path=ppt/slides/slide9.xml><?xml version="1.0" encoding="utf-8"?>
-<p:sld xmlns:a="http://schemas.openxmlformats.org/drawingml/2006/main" xmlns:r="http://schemas.openxmlformats.org/officeDocument/2006/relationships" xmlns:p="http://schemas.openxmlformats.org/presentationml/2006/main">
-  <p:cSld>
-    <p:spTree>
-      <p:nvGrpSpPr>
-        <p:cNvPr id="1" name=""/>
-        <p:cNvGrpSpPr/>
-        <p:nvPr/>
-      </p:nvGrpSpPr>
-      <p:grpSpPr>
-        <a:xfrm>
-          <a:off x="0" y="0"/>
-          <a:ext cx="0" cy="0"/>
-          <a:chOff x="0" y="0"/>
-          <a:chExt cx="0" cy="0"/>
-        </a:xfrm>
-      </p:grpSpPr>
-      <p:sp>
-        <p:nvSpPr>
-          <p:cNvPr id="5" name="TextBox 4">
-            <a:extLst>
-              <a:ext uri="{FF2B5EF4-FFF2-40B4-BE49-F238E27FC236}">
-                <a16:creationId xmlns:a16="http://schemas.microsoft.com/office/drawing/2014/main" id="{1706A04E-CC78-47AF-92CF-9D7713E7DC2C}"/>
-              </a:ext>
-            </a:extLst>
-          </p:cNvPr>
-          <p:cNvSpPr txBox="1"/>
-          <p:nvPr/>
-        </p:nvSpPr>
-        <p:spPr>
-          <a:xfrm>
-            <a:off x="2359025" y="2967335"/>
-            <a:ext cx="7473950" cy="923330"/>
-          </a:xfrm>
-          <a:prstGeom prst="rect">
-            <a:avLst/>
-          </a:prstGeom>
-          <a:noFill/>
-        </p:spPr>
-        <p:txBody>
-          <a:bodyPr wrap="square">
-            <a:spAutoFit/>
-          </a:bodyPr>
-          <a:lstStyle/>
-          <a:p>
-            <a:pPr algn="ctr"/>
-            <a:r>
-              <a:rPr lang="fr-FR" sz="1800" dirty="0"/>
-              <a:t>Ayant déjà mené une version similaire de cette expérience, nous pourrons détecter si vous avez triché lors d'un exercice et </a:t>
-            </a:r>
-            <a:r>
-              <a:rPr lang="fr-FR" sz="1800" b="1" dirty="0"/>
-              <a:t>vous ne recevrez pas de paiement </a:t>
-            </a:r>
-            <a:r>
-              <a:rPr lang="fr-FR" sz="1800" dirty="0"/>
-              <a:t>si nous soupçonnons que c'est le cas.</a:t>
-            </a:r>
-          </a:p>
-        </p:txBody>
-      </p:sp>
-    </p:spTree>
-    <p:extLst>
-      <p:ext uri="{BB962C8B-B14F-4D97-AF65-F5344CB8AC3E}">
-        <p14:creationId xmlns:p14="http://schemas.microsoft.com/office/powerpoint/2010/main" val="3191004904"/>
       </p:ext>
     </p:extLst>
   </p:cSld>

--- a/src/SE2/Stimuli/Instructions_Rewarded.pptx
+++ b/src/SE2/Stimuli/Instructions_Rewarded.pptx
@@ -204,7 +204,7 @@
           <a:p>
             <a:fld id="{62CC9F90-0A1B-4ABF-970D-CD45F3EE6569}" type="datetimeFigureOut">
               <a:rPr lang="fr-FR" smtClean="0"/>
-              <a:t>27/02/2022</a:t>
+              <a:t>28/02/2022</a:t>
             </a:fld>
             <a:endParaRPr lang="fr-FR"/>
           </a:p>
@@ -705,7 +705,7 @@
           <a:p>
             <a:fld id="{53BABFD8-D892-4D56-AE10-021BD01BA1FF}" type="datetimeFigureOut">
               <a:rPr lang="fr-FR" smtClean="0"/>
-              <a:t>27/02/2022</a:t>
+              <a:t>28/02/2022</a:t>
             </a:fld>
             <a:endParaRPr lang="fr-FR"/>
           </a:p>
@@ -903,7 +903,7 @@
           <a:p>
             <a:fld id="{53BABFD8-D892-4D56-AE10-021BD01BA1FF}" type="datetimeFigureOut">
               <a:rPr lang="fr-FR" smtClean="0"/>
-              <a:t>27/02/2022</a:t>
+              <a:t>28/02/2022</a:t>
             </a:fld>
             <a:endParaRPr lang="fr-FR"/>
           </a:p>
@@ -1111,7 +1111,7 @@
           <a:p>
             <a:fld id="{53BABFD8-D892-4D56-AE10-021BD01BA1FF}" type="datetimeFigureOut">
               <a:rPr lang="fr-FR" smtClean="0"/>
-              <a:t>27/02/2022</a:t>
+              <a:t>28/02/2022</a:t>
             </a:fld>
             <a:endParaRPr lang="fr-FR"/>
           </a:p>
@@ -1309,7 +1309,7 @@
           <a:p>
             <a:fld id="{53BABFD8-D892-4D56-AE10-021BD01BA1FF}" type="datetimeFigureOut">
               <a:rPr lang="fr-FR" smtClean="0"/>
-              <a:t>27/02/2022</a:t>
+              <a:t>28/02/2022</a:t>
             </a:fld>
             <a:endParaRPr lang="fr-FR"/>
           </a:p>
@@ -1584,7 +1584,7 @@
           <a:p>
             <a:fld id="{53BABFD8-D892-4D56-AE10-021BD01BA1FF}" type="datetimeFigureOut">
               <a:rPr lang="fr-FR" smtClean="0"/>
-              <a:t>27/02/2022</a:t>
+              <a:t>28/02/2022</a:t>
             </a:fld>
             <a:endParaRPr lang="fr-FR"/>
           </a:p>
@@ -1849,7 +1849,7 @@
           <a:p>
             <a:fld id="{53BABFD8-D892-4D56-AE10-021BD01BA1FF}" type="datetimeFigureOut">
               <a:rPr lang="fr-FR" smtClean="0"/>
-              <a:t>27/02/2022</a:t>
+              <a:t>28/02/2022</a:t>
             </a:fld>
             <a:endParaRPr lang="fr-FR"/>
           </a:p>
@@ -2261,7 +2261,7 @@
           <a:p>
             <a:fld id="{53BABFD8-D892-4D56-AE10-021BD01BA1FF}" type="datetimeFigureOut">
               <a:rPr lang="fr-FR" smtClean="0"/>
-              <a:t>27/02/2022</a:t>
+              <a:t>28/02/2022</a:t>
             </a:fld>
             <a:endParaRPr lang="fr-FR"/>
           </a:p>
@@ -2402,7 +2402,7 @@
           <a:p>
             <a:fld id="{53BABFD8-D892-4D56-AE10-021BD01BA1FF}" type="datetimeFigureOut">
               <a:rPr lang="fr-FR" smtClean="0"/>
-              <a:t>27/02/2022</a:t>
+              <a:t>28/02/2022</a:t>
             </a:fld>
             <a:endParaRPr lang="fr-FR"/>
           </a:p>
@@ -2515,7 +2515,7 @@
           <a:p>
             <a:fld id="{53BABFD8-D892-4D56-AE10-021BD01BA1FF}" type="datetimeFigureOut">
               <a:rPr lang="fr-FR" smtClean="0"/>
-              <a:t>27/02/2022</a:t>
+              <a:t>28/02/2022</a:t>
             </a:fld>
             <a:endParaRPr lang="fr-FR"/>
           </a:p>
@@ -2826,7 +2826,7 @@
           <a:p>
             <a:fld id="{53BABFD8-D892-4D56-AE10-021BD01BA1FF}" type="datetimeFigureOut">
               <a:rPr lang="fr-FR" smtClean="0"/>
-              <a:t>27/02/2022</a:t>
+              <a:t>28/02/2022</a:t>
             </a:fld>
             <a:endParaRPr lang="fr-FR"/>
           </a:p>
@@ -3114,7 +3114,7 @@
           <a:p>
             <a:fld id="{53BABFD8-D892-4D56-AE10-021BD01BA1FF}" type="datetimeFigureOut">
               <a:rPr lang="fr-FR" smtClean="0"/>
-              <a:t>27/02/2022</a:t>
+              <a:t>28/02/2022</a:t>
             </a:fld>
             <a:endParaRPr lang="fr-FR"/>
           </a:p>
@@ -3355,7 +3355,7 @@
           <a:p>
             <a:fld id="{53BABFD8-D892-4D56-AE10-021BD01BA1FF}" type="datetimeFigureOut">
               <a:rPr lang="fr-FR" smtClean="0"/>
-              <a:t>27/02/2022</a:t>
+              <a:t>28/02/2022</a:t>
             </a:fld>
             <a:endParaRPr lang="fr-FR"/>
           </a:p>

--- a/src/SE2/Stimuli/Instructions_Rewarded.pptx
+++ b/src/SE2/Stimuli/Instructions_Rewarded.pptx
@@ -204,7 +204,7 @@
           <a:p>
             <a:fld id="{62CC9F90-0A1B-4ABF-970D-CD45F3EE6569}" type="datetimeFigureOut">
               <a:rPr lang="fr-FR" smtClean="0"/>
-              <a:t>27/02/2022</a:t>
+              <a:t>17/03/2022</a:t>
             </a:fld>
             <a:endParaRPr lang="fr-FR"/>
           </a:p>
@@ -705,7 +705,7 @@
           <a:p>
             <a:fld id="{53BABFD8-D892-4D56-AE10-021BD01BA1FF}" type="datetimeFigureOut">
               <a:rPr lang="fr-FR" smtClean="0"/>
-              <a:t>27/02/2022</a:t>
+              <a:t>17/03/2022</a:t>
             </a:fld>
             <a:endParaRPr lang="fr-FR"/>
           </a:p>
@@ -903,7 +903,7 @@
           <a:p>
             <a:fld id="{53BABFD8-D892-4D56-AE10-021BD01BA1FF}" type="datetimeFigureOut">
               <a:rPr lang="fr-FR" smtClean="0"/>
-              <a:t>27/02/2022</a:t>
+              <a:t>17/03/2022</a:t>
             </a:fld>
             <a:endParaRPr lang="fr-FR"/>
           </a:p>
@@ -1111,7 +1111,7 @@
           <a:p>
             <a:fld id="{53BABFD8-D892-4D56-AE10-021BD01BA1FF}" type="datetimeFigureOut">
               <a:rPr lang="fr-FR" smtClean="0"/>
-              <a:t>27/02/2022</a:t>
+              <a:t>17/03/2022</a:t>
             </a:fld>
             <a:endParaRPr lang="fr-FR"/>
           </a:p>
@@ -1309,7 +1309,7 @@
           <a:p>
             <a:fld id="{53BABFD8-D892-4D56-AE10-021BD01BA1FF}" type="datetimeFigureOut">
               <a:rPr lang="fr-FR" smtClean="0"/>
-              <a:t>27/02/2022</a:t>
+              <a:t>17/03/2022</a:t>
             </a:fld>
             <a:endParaRPr lang="fr-FR"/>
           </a:p>
@@ -1584,7 +1584,7 @@
           <a:p>
             <a:fld id="{53BABFD8-D892-4D56-AE10-021BD01BA1FF}" type="datetimeFigureOut">
               <a:rPr lang="fr-FR" smtClean="0"/>
-              <a:t>27/02/2022</a:t>
+              <a:t>17/03/2022</a:t>
             </a:fld>
             <a:endParaRPr lang="fr-FR"/>
           </a:p>
@@ -1849,7 +1849,7 @@
           <a:p>
             <a:fld id="{53BABFD8-D892-4D56-AE10-021BD01BA1FF}" type="datetimeFigureOut">
               <a:rPr lang="fr-FR" smtClean="0"/>
-              <a:t>27/02/2022</a:t>
+              <a:t>17/03/2022</a:t>
             </a:fld>
             <a:endParaRPr lang="fr-FR"/>
           </a:p>
@@ -2261,7 +2261,7 @@
           <a:p>
             <a:fld id="{53BABFD8-D892-4D56-AE10-021BD01BA1FF}" type="datetimeFigureOut">
               <a:rPr lang="fr-FR" smtClean="0"/>
-              <a:t>27/02/2022</a:t>
+              <a:t>17/03/2022</a:t>
             </a:fld>
             <a:endParaRPr lang="fr-FR"/>
           </a:p>
@@ -2402,7 +2402,7 @@
           <a:p>
             <a:fld id="{53BABFD8-D892-4D56-AE10-021BD01BA1FF}" type="datetimeFigureOut">
               <a:rPr lang="fr-FR" smtClean="0"/>
-              <a:t>27/02/2022</a:t>
+              <a:t>17/03/2022</a:t>
             </a:fld>
             <a:endParaRPr lang="fr-FR"/>
           </a:p>
@@ -2515,7 +2515,7 @@
           <a:p>
             <a:fld id="{53BABFD8-D892-4D56-AE10-021BD01BA1FF}" type="datetimeFigureOut">
               <a:rPr lang="fr-FR" smtClean="0"/>
-              <a:t>27/02/2022</a:t>
+              <a:t>17/03/2022</a:t>
             </a:fld>
             <a:endParaRPr lang="fr-FR"/>
           </a:p>
@@ -2826,7 +2826,7 @@
           <a:p>
             <a:fld id="{53BABFD8-D892-4D56-AE10-021BD01BA1FF}" type="datetimeFigureOut">
               <a:rPr lang="fr-FR" smtClean="0"/>
-              <a:t>27/02/2022</a:t>
+              <a:t>17/03/2022</a:t>
             </a:fld>
             <a:endParaRPr lang="fr-FR"/>
           </a:p>
@@ -3114,7 +3114,7 @@
           <a:p>
             <a:fld id="{53BABFD8-D892-4D56-AE10-021BD01BA1FF}" type="datetimeFigureOut">
               <a:rPr lang="fr-FR" smtClean="0"/>
-              <a:t>27/02/2022</a:t>
+              <a:t>17/03/2022</a:t>
             </a:fld>
             <a:endParaRPr lang="fr-FR"/>
           </a:p>
@@ -3355,7 +3355,7 @@
           <a:p>
             <a:fld id="{53BABFD8-D892-4D56-AE10-021BD01BA1FF}" type="datetimeFigureOut">
               <a:rPr lang="fr-FR" smtClean="0"/>
-              <a:t>27/02/2022</a:t>
+              <a:t>17/03/2022</a:t>
             </a:fld>
             <a:endParaRPr lang="fr-FR"/>
           </a:p>
@@ -3933,7 +3933,7 @@
             <a:pPr lvl="1"/>
             <a:r>
               <a:rPr lang="fr-FR" dirty="0"/>
-              <a:t>Vous ferez 27 exercices de mémorisation, qui consisteront à mémoriser l’emplacement de paires de chiffres disposés sur une grille. Plus il y aura de paires de chiffres à mémoriser, plus l’exercice sera difficile.</a:t>
+              <a:t>Vous ferez 46 exercices de mémorisation, qui consisteront à mémoriser l’emplacement de paires de chiffres disposés sur une grille. Plus il y aura de paires de chiffres à mémoriser, plus l’exercice sera difficile.</a:t>
             </a:r>
           </a:p>
           <a:p>
@@ -4084,13 +4084,13 @@
             </a:r>
             <a:r>
               <a:rPr lang="fr-FR" dirty="0"/>
-              <a:t> est le nombre de points que vous obtenez si vous atteignez l’objectif (1, 10 ou 100). Attention: votre rétribution financière dépend du total de points que vous aurez obtenu (sur les 27 exercices).</a:t>
+              <a:t> est le nombre de points que vous obtenez si vous atteignez l’objectif (1 ou 10). Attention: votre rétribution financière dépend du total de points que vous aurez obtenu (sur les 46 exercices).</a:t>
             </a:r>
           </a:p>
           <a:p>
             <a:r>
               <a:rPr lang="fr-FR" dirty="0"/>
-              <a:t>Avant chaque exercice, nous vous afficherons l’objectif et le bonus. Vous nous indiquerez alors combien de temps vous souhaitez voir la grille (entre 0 et 60 secondes).</a:t>
+              <a:t>Avant chaque exercice, nous vous afficherons l’objectif et le bonus. Vous nous indiquerez alors combien de temps vous souhaitez voir la grille (entre 15 et 60 secondes).</a:t>
             </a:r>
           </a:p>
           <a:p>
@@ -4629,8 +4629,8 @@
                 <a:t>comprend</a:t>
               </a:r>
               <a:r>
-                <a:rPr lang="en-GB" sz="2400" dirty="0"/>
-                <a:t> 27 </a:t>
+                <a:rPr lang="en-GB" sz="2400"/>
+                <a:t> 46 </a:t>
               </a:r>
               <a:r>
                 <a:rPr lang="en-GB" sz="2400" dirty="0" err="1"/>
@@ -4737,10 +4737,9 @@
             <a:p>
               <a:pPr algn="ctr"/>
               <a:r>
-                <a:rPr lang="fr-FR" sz="2400"/>
+                <a:rPr lang="fr-FR" sz="2400" dirty="0"/>
                 <a:t>L'exercice d'entraînement est terminé.</a:t>
               </a:r>
-              <a:endParaRPr lang="fr-FR" sz="2400" dirty="0"/>
             </a:p>
           </p:txBody>
         </p:sp>

--- a/src/SE2/Stimuli/Instructions_Rewarded.pptx
+++ b/src/SE2/Stimuli/Instructions_Rewarded.pptx
@@ -204,7 +204,7 @@
           <a:p>
             <a:fld id="{62CC9F90-0A1B-4ABF-970D-CD45F3EE6569}" type="datetimeFigureOut">
               <a:rPr lang="fr-FR" smtClean="0"/>
-              <a:t>17/03/2022</a:t>
+              <a:t>18/03/2022</a:t>
             </a:fld>
             <a:endParaRPr lang="fr-FR"/>
           </a:p>
@@ -362,7 +362,7 @@
           <a:p>
             <a:fld id="{E8BC793C-F542-422D-B0F4-20EA999D0B3F}" type="slidenum">
               <a:rPr lang="fr-FR" smtClean="0"/>
-              <a:t>‹#›</a:t>
+              <a:t>‹N°›</a:t>
             </a:fld>
             <a:endParaRPr lang="fr-FR"/>
           </a:p>
@@ -705,7 +705,7 @@
           <a:p>
             <a:fld id="{53BABFD8-D892-4D56-AE10-021BD01BA1FF}" type="datetimeFigureOut">
               <a:rPr lang="fr-FR" smtClean="0"/>
-              <a:t>17/03/2022</a:t>
+              <a:t>18/03/2022</a:t>
             </a:fld>
             <a:endParaRPr lang="fr-FR"/>
           </a:p>
@@ -759,7 +759,7 @@
           <a:p>
             <a:fld id="{0AB29355-503D-4F95-9DE8-1F3DA58A7EA4}" type="slidenum">
               <a:rPr lang="fr-FR" smtClean="0"/>
-              <a:t>‹#›</a:t>
+              <a:t>‹N°›</a:t>
             </a:fld>
             <a:endParaRPr lang="fr-FR"/>
           </a:p>
@@ -903,7 +903,7 @@
           <a:p>
             <a:fld id="{53BABFD8-D892-4D56-AE10-021BD01BA1FF}" type="datetimeFigureOut">
               <a:rPr lang="fr-FR" smtClean="0"/>
-              <a:t>17/03/2022</a:t>
+              <a:t>18/03/2022</a:t>
             </a:fld>
             <a:endParaRPr lang="fr-FR"/>
           </a:p>
@@ -957,7 +957,7 @@
           <a:p>
             <a:fld id="{0AB29355-503D-4F95-9DE8-1F3DA58A7EA4}" type="slidenum">
               <a:rPr lang="fr-FR" smtClean="0"/>
-              <a:t>‹#›</a:t>
+              <a:t>‹N°›</a:t>
             </a:fld>
             <a:endParaRPr lang="fr-FR"/>
           </a:p>
@@ -1111,7 +1111,7 @@
           <a:p>
             <a:fld id="{53BABFD8-D892-4D56-AE10-021BD01BA1FF}" type="datetimeFigureOut">
               <a:rPr lang="fr-FR" smtClean="0"/>
-              <a:t>17/03/2022</a:t>
+              <a:t>18/03/2022</a:t>
             </a:fld>
             <a:endParaRPr lang="fr-FR"/>
           </a:p>
@@ -1165,7 +1165,7 @@
           <a:p>
             <a:fld id="{0AB29355-503D-4F95-9DE8-1F3DA58A7EA4}" type="slidenum">
               <a:rPr lang="fr-FR" smtClean="0"/>
-              <a:t>‹#›</a:t>
+              <a:t>‹N°›</a:t>
             </a:fld>
             <a:endParaRPr lang="fr-FR"/>
           </a:p>
@@ -1309,7 +1309,7 @@
           <a:p>
             <a:fld id="{53BABFD8-D892-4D56-AE10-021BD01BA1FF}" type="datetimeFigureOut">
               <a:rPr lang="fr-FR" smtClean="0"/>
-              <a:t>17/03/2022</a:t>
+              <a:t>18/03/2022</a:t>
             </a:fld>
             <a:endParaRPr lang="fr-FR"/>
           </a:p>
@@ -1363,7 +1363,7 @@
           <a:p>
             <a:fld id="{0AB29355-503D-4F95-9DE8-1F3DA58A7EA4}" type="slidenum">
               <a:rPr lang="fr-FR" smtClean="0"/>
-              <a:t>‹#›</a:t>
+              <a:t>‹N°›</a:t>
             </a:fld>
             <a:endParaRPr lang="fr-FR"/>
           </a:p>
@@ -1584,7 +1584,7 @@
           <a:p>
             <a:fld id="{53BABFD8-D892-4D56-AE10-021BD01BA1FF}" type="datetimeFigureOut">
               <a:rPr lang="fr-FR" smtClean="0"/>
-              <a:t>17/03/2022</a:t>
+              <a:t>18/03/2022</a:t>
             </a:fld>
             <a:endParaRPr lang="fr-FR"/>
           </a:p>
@@ -1638,7 +1638,7 @@
           <a:p>
             <a:fld id="{0AB29355-503D-4F95-9DE8-1F3DA58A7EA4}" type="slidenum">
               <a:rPr lang="fr-FR" smtClean="0"/>
-              <a:t>‹#›</a:t>
+              <a:t>‹N°›</a:t>
             </a:fld>
             <a:endParaRPr lang="fr-FR"/>
           </a:p>
@@ -1849,7 +1849,7 @@
           <a:p>
             <a:fld id="{53BABFD8-D892-4D56-AE10-021BD01BA1FF}" type="datetimeFigureOut">
               <a:rPr lang="fr-FR" smtClean="0"/>
-              <a:t>17/03/2022</a:t>
+              <a:t>18/03/2022</a:t>
             </a:fld>
             <a:endParaRPr lang="fr-FR"/>
           </a:p>
@@ -1903,7 +1903,7 @@
           <a:p>
             <a:fld id="{0AB29355-503D-4F95-9DE8-1F3DA58A7EA4}" type="slidenum">
               <a:rPr lang="fr-FR" smtClean="0"/>
-              <a:t>‹#›</a:t>
+              <a:t>‹N°›</a:t>
             </a:fld>
             <a:endParaRPr lang="fr-FR"/>
           </a:p>
@@ -2261,7 +2261,7 @@
           <a:p>
             <a:fld id="{53BABFD8-D892-4D56-AE10-021BD01BA1FF}" type="datetimeFigureOut">
               <a:rPr lang="fr-FR" smtClean="0"/>
-              <a:t>17/03/2022</a:t>
+              <a:t>18/03/2022</a:t>
             </a:fld>
             <a:endParaRPr lang="fr-FR"/>
           </a:p>
@@ -2315,7 +2315,7 @@
           <a:p>
             <a:fld id="{0AB29355-503D-4F95-9DE8-1F3DA58A7EA4}" type="slidenum">
               <a:rPr lang="fr-FR" smtClean="0"/>
-              <a:t>‹#›</a:t>
+              <a:t>‹N°›</a:t>
             </a:fld>
             <a:endParaRPr lang="fr-FR"/>
           </a:p>
@@ -2402,7 +2402,7 @@
           <a:p>
             <a:fld id="{53BABFD8-D892-4D56-AE10-021BD01BA1FF}" type="datetimeFigureOut">
               <a:rPr lang="fr-FR" smtClean="0"/>
-              <a:t>17/03/2022</a:t>
+              <a:t>18/03/2022</a:t>
             </a:fld>
             <a:endParaRPr lang="fr-FR"/>
           </a:p>
@@ -2456,7 +2456,7 @@
           <a:p>
             <a:fld id="{0AB29355-503D-4F95-9DE8-1F3DA58A7EA4}" type="slidenum">
               <a:rPr lang="fr-FR" smtClean="0"/>
-              <a:t>‹#›</a:t>
+              <a:t>‹N°›</a:t>
             </a:fld>
             <a:endParaRPr lang="fr-FR"/>
           </a:p>
@@ -2515,7 +2515,7 @@
           <a:p>
             <a:fld id="{53BABFD8-D892-4D56-AE10-021BD01BA1FF}" type="datetimeFigureOut">
               <a:rPr lang="fr-FR" smtClean="0"/>
-              <a:t>17/03/2022</a:t>
+              <a:t>18/03/2022</a:t>
             </a:fld>
             <a:endParaRPr lang="fr-FR"/>
           </a:p>
@@ -2569,7 +2569,7 @@
           <a:p>
             <a:fld id="{0AB29355-503D-4F95-9DE8-1F3DA58A7EA4}" type="slidenum">
               <a:rPr lang="fr-FR" smtClean="0"/>
-              <a:t>‹#›</a:t>
+              <a:t>‹N°›</a:t>
             </a:fld>
             <a:endParaRPr lang="fr-FR"/>
           </a:p>
@@ -2826,7 +2826,7 @@
           <a:p>
             <a:fld id="{53BABFD8-D892-4D56-AE10-021BD01BA1FF}" type="datetimeFigureOut">
               <a:rPr lang="fr-FR" smtClean="0"/>
-              <a:t>17/03/2022</a:t>
+              <a:t>18/03/2022</a:t>
             </a:fld>
             <a:endParaRPr lang="fr-FR"/>
           </a:p>
@@ -2880,7 +2880,7 @@
           <a:p>
             <a:fld id="{0AB29355-503D-4F95-9DE8-1F3DA58A7EA4}" type="slidenum">
               <a:rPr lang="fr-FR" smtClean="0"/>
-              <a:t>‹#›</a:t>
+              <a:t>‹N°›</a:t>
             </a:fld>
             <a:endParaRPr lang="fr-FR"/>
           </a:p>
@@ -3114,7 +3114,7 @@
           <a:p>
             <a:fld id="{53BABFD8-D892-4D56-AE10-021BD01BA1FF}" type="datetimeFigureOut">
               <a:rPr lang="fr-FR" smtClean="0"/>
-              <a:t>17/03/2022</a:t>
+              <a:t>18/03/2022</a:t>
             </a:fld>
             <a:endParaRPr lang="fr-FR"/>
           </a:p>
@@ -3168,7 +3168,7 @@
           <a:p>
             <a:fld id="{0AB29355-503D-4F95-9DE8-1F3DA58A7EA4}" type="slidenum">
               <a:rPr lang="fr-FR" smtClean="0"/>
-              <a:t>‹#›</a:t>
+              <a:t>‹N°›</a:t>
             </a:fld>
             <a:endParaRPr lang="fr-FR"/>
           </a:p>
@@ -3355,7 +3355,7 @@
           <a:p>
             <a:fld id="{53BABFD8-D892-4D56-AE10-021BD01BA1FF}" type="datetimeFigureOut">
               <a:rPr lang="fr-FR" smtClean="0"/>
-              <a:t>17/03/2022</a:t>
+              <a:t>18/03/2022</a:t>
             </a:fld>
             <a:endParaRPr lang="fr-FR"/>
           </a:p>
@@ -3445,7 +3445,7 @@
           <a:p>
             <a:fld id="{0AB29355-503D-4F95-9DE8-1F3DA58A7EA4}" type="slidenum">
               <a:rPr lang="fr-FR" smtClean="0"/>
-              <a:t>‹#›</a:t>
+              <a:t>‹N°›</a:t>
             </a:fld>
             <a:endParaRPr lang="fr-FR"/>
           </a:p>
@@ -4090,7 +4090,15 @@
           <a:p>
             <a:r>
               <a:rPr lang="fr-FR" dirty="0"/>
-              <a:t>Avant chaque exercice, nous vous afficherons l’objectif et le bonus. Vous nous indiquerez alors combien de temps vous souhaitez voir la grille (entre 15 et 60 secondes).</a:t>
+              <a:t>Avant chaque exercice, nous vous afficherons l’objectif et le bonus. Vous nous indiquerez alors combien de temps vous souhaitez voir la grille (entre 15 et </a:t>
+            </a:r>
+            <a:r>
+              <a:rPr lang="fr-FR" dirty="0" smtClean="0"/>
+              <a:t>75 </a:t>
+            </a:r>
+            <a:r>
+              <a:rPr lang="fr-FR" dirty="0"/>
+              <a:t>secondes).</a:t>
             </a:r>
           </a:p>
           <a:p>

--- a/src/SE2/Stimuli/Instructions_Rewarded.pptx
+++ b/src/SE2/Stimuli/Instructions_Rewarded.pptx
@@ -204,7 +204,7 @@
           <a:p>
             <a:fld id="{62CC9F90-0A1B-4ABF-970D-CD45F3EE6569}" type="datetimeFigureOut">
               <a:rPr lang="fr-FR" smtClean="0"/>
-              <a:t>18/03/2022</a:t>
+              <a:t>27/02/2022</a:t>
             </a:fld>
             <a:endParaRPr lang="fr-FR"/>
           </a:p>
@@ -362,7 +362,7 @@
           <a:p>
             <a:fld id="{E8BC793C-F542-422D-B0F4-20EA999D0B3F}" type="slidenum">
               <a:rPr lang="fr-FR" smtClean="0"/>
-              <a:t>‹N°›</a:t>
+              <a:t>‹#›</a:t>
             </a:fld>
             <a:endParaRPr lang="fr-FR"/>
           </a:p>
@@ -705,7 +705,7 @@
           <a:p>
             <a:fld id="{53BABFD8-D892-4D56-AE10-021BD01BA1FF}" type="datetimeFigureOut">
               <a:rPr lang="fr-FR" smtClean="0"/>
-              <a:t>18/03/2022</a:t>
+              <a:t>27/02/2022</a:t>
             </a:fld>
             <a:endParaRPr lang="fr-FR"/>
           </a:p>
@@ -759,7 +759,7 @@
           <a:p>
             <a:fld id="{0AB29355-503D-4F95-9DE8-1F3DA58A7EA4}" type="slidenum">
               <a:rPr lang="fr-FR" smtClean="0"/>
-              <a:t>‹N°›</a:t>
+              <a:t>‹#›</a:t>
             </a:fld>
             <a:endParaRPr lang="fr-FR"/>
           </a:p>
@@ -903,7 +903,7 @@
           <a:p>
             <a:fld id="{53BABFD8-D892-4D56-AE10-021BD01BA1FF}" type="datetimeFigureOut">
               <a:rPr lang="fr-FR" smtClean="0"/>
-              <a:t>18/03/2022</a:t>
+              <a:t>27/02/2022</a:t>
             </a:fld>
             <a:endParaRPr lang="fr-FR"/>
           </a:p>
@@ -957,7 +957,7 @@
           <a:p>
             <a:fld id="{0AB29355-503D-4F95-9DE8-1F3DA58A7EA4}" type="slidenum">
               <a:rPr lang="fr-FR" smtClean="0"/>
-              <a:t>‹N°›</a:t>
+              <a:t>‹#›</a:t>
             </a:fld>
             <a:endParaRPr lang="fr-FR"/>
           </a:p>
@@ -1111,7 +1111,7 @@
           <a:p>
             <a:fld id="{53BABFD8-D892-4D56-AE10-021BD01BA1FF}" type="datetimeFigureOut">
               <a:rPr lang="fr-FR" smtClean="0"/>
-              <a:t>18/03/2022</a:t>
+              <a:t>27/02/2022</a:t>
             </a:fld>
             <a:endParaRPr lang="fr-FR"/>
           </a:p>
@@ -1165,7 +1165,7 @@
           <a:p>
             <a:fld id="{0AB29355-503D-4F95-9DE8-1F3DA58A7EA4}" type="slidenum">
               <a:rPr lang="fr-FR" smtClean="0"/>
-              <a:t>‹N°›</a:t>
+              <a:t>‹#›</a:t>
             </a:fld>
             <a:endParaRPr lang="fr-FR"/>
           </a:p>
@@ -1309,7 +1309,7 @@
           <a:p>
             <a:fld id="{53BABFD8-D892-4D56-AE10-021BD01BA1FF}" type="datetimeFigureOut">
               <a:rPr lang="fr-FR" smtClean="0"/>
-              <a:t>18/03/2022</a:t>
+              <a:t>27/02/2022</a:t>
             </a:fld>
             <a:endParaRPr lang="fr-FR"/>
           </a:p>
@@ -1363,7 +1363,7 @@
           <a:p>
             <a:fld id="{0AB29355-503D-4F95-9DE8-1F3DA58A7EA4}" type="slidenum">
               <a:rPr lang="fr-FR" smtClean="0"/>
-              <a:t>‹N°›</a:t>
+              <a:t>‹#›</a:t>
             </a:fld>
             <a:endParaRPr lang="fr-FR"/>
           </a:p>
@@ -1584,7 +1584,7 @@
           <a:p>
             <a:fld id="{53BABFD8-D892-4D56-AE10-021BD01BA1FF}" type="datetimeFigureOut">
               <a:rPr lang="fr-FR" smtClean="0"/>
-              <a:t>18/03/2022</a:t>
+              <a:t>27/02/2022</a:t>
             </a:fld>
             <a:endParaRPr lang="fr-FR"/>
           </a:p>
@@ -1638,7 +1638,7 @@
           <a:p>
             <a:fld id="{0AB29355-503D-4F95-9DE8-1F3DA58A7EA4}" type="slidenum">
               <a:rPr lang="fr-FR" smtClean="0"/>
-              <a:t>‹N°›</a:t>
+              <a:t>‹#›</a:t>
             </a:fld>
             <a:endParaRPr lang="fr-FR"/>
           </a:p>
@@ -1849,7 +1849,7 @@
           <a:p>
             <a:fld id="{53BABFD8-D892-4D56-AE10-021BD01BA1FF}" type="datetimeFigureOut">
               <a:rPr lang="fr-FR" smtClean="0"/>
-              <a:t>18/03/2022</a:t>
+              <a:t>27/02/2022</a:t>
             </a:fld>
             <a:endParaRPr lang="fr-FR"/>
           </a:p>
@@ -1903,7 +1903,7 @@
           <a:p>
             <a:fld id="{0AB29355-503D-4F95-9DE8-1F3DA58A7EA4}" type="slidenum">
               <a:rPr lang="fr-FR" smtClean="0"/>
-              <a:t>‹N°›</a:t>
+              <a:t>‹#›</a:t>
             </a:fld>
             <a:endParaRPr lang="fr-FR"/>
           </a:p>
@@ -2261,7 +2261,7 @@
           <a:p>
             <a:fld id="{53BABFD8-D892-4D56-AE10-021BD01BA1FF}" type="datetimeFigureOut">
               <a:rPr lang="fr-FR" smtClean="0"/>
-              <a:t>18/03/2022</a:t>
+              <a:t>27/02/2022</a:t>
             </a:fld>
             <a:endParaRPr lang="fr-FR"/>
           </a:p>
@@ -2315,7 +2315,7 @@
           <a:p>
             <a:fld id="{0AB29355-503D-4F95-9DE8-1F3DA58A7EA4}" type="slidenum">
               <a:rPr lang="fr-FR" smtClean="0"/>
-              <a:t>‹N°›</a:t>
+              <a:t>‹#›</a:t>
             </a:fld>
             <a:endParaRPr lang="fr-FR"/>
           </a:p>
@@ -2402,7 +2402,7 @@
           <a:p>
             <a:fld id="{53BABFD8-D892-4D56-AE10-021BD01BA1FF}" type="datetimeFigureOut">
               <a:rPr lang="fr-FR" smtClean="0"/>
-              <a:t>18/03/2022</a:t>
+              <a:t>27/02/2022</a:t>
             </a:fld>
             <a:endParaRPr lang="fr-FR"/>
           </a:p>
@@ -2456,7 +2456,7 @@
           <a:p>
             <a:fld id="{0AB29355-503D-4F95-9DE8-1F3DA58A7EA4}" type="slidenum">
               <a:rPr lang="fr-FR" smtClean="0"/>
-              <a:t>‹N°›</a:t>
+              <a:t>‹#›</a:t>
             </a:fld>
             <a:endParaRPr lang="fr-FR"/>
           </a:p>
@@ -2515,7 +2515,7 @@
           <a:p>
             <a:fld id="{53BABFD8-D892-4D56-AE10-021BD01BA1FF}" type="datetimeFigureOut">
               <a:rPr lang="fr-FR" smtClean="0"/>
-              <a:t>18/03/2022</a:t>
+              <a:t>27/02/2022</a:t>
             </a:fld>
             <a:endParaRPr lang="fr-FR"/>
           </a:p>
@@ -2569,7 +2569,7 @@
           <a:p>
             <a:fld id="{0AB29355-503D-4F95-9DE8-1F3DA58A7EA4}" type="slidenum">
               <a:rPr lang="fr-FR" smtClean="0"/>
-              <a:t>‹N°›</a:t>
+              <a:t>‹#›</a:t>
             </a:fld>
             <a:endParaRPr lang="fr-FR"/>
           </a:p>
@@ -2826,7 +2826,7 @@
           <a:p>
             <a:fld id="{53BABFD8-D892-4D56-AE10-021BD01BA1FF}" type="datetimeFigureOut">
               <a:rPr lang="fr-FR" smtClean="0"/>
-              <a:t>18/03/2022</a:t>
+              <a:t>27/02/2022</a:t>
             </a:fld>
             <a:endParaRPr lang="fr-FR"/>
           </a:p>
@@ -2880,7 +2880,7 @@
           <a:p>
             <a:fld id="{0AB29355-503D-4F95-9DE8-1F3DA58A7EA4}" type="slidenum">
               <a:rPr lang="fr-FR" smtClean="0"/>
-              <a:t>‹N°›</a:t>
+              <a:t>‹#›</a:t>
             </a:fld>
             <a:endParaRPr lang="fr-FR"/>
           </a:p>
@@ -3114,7 +3114,7 @@
           <a:p>
             <a:fld id="{53BABFD8-D892-4D56-AE10-021BD01BA1FF}" type="datetimeFigureOut">
               <a:rPr lang="fr-FR" smtClean="0"/>
-              <a:t>18/03/2022</a:t>
+              <a:t>27/02/2022</a:t>
             </a:fld>
             <a:endParaRPr lang="fr-FR"/>
           </a:p>
@@ -3168,7 +3168,7 @@
           <a:p>
             <a:fld id="{0AB29355-503D-4F95-9DE8-1F3DA58A7EA4}" type="slidenum">
               <a:rPr lang="fr-FR" smtClean="0"/>
-              <a:t>‹N°›</a:t>
+              <a:t>‹#›</a:t>
             </a:fld>
             <a:endParaRPr lang="fr-FR"/>
           </a:p>
@@ -3355,7 +3355,7 @@
           <a:p>
             <a:fld id="{53BABFD8-D892-4D56-AE10-021BD01BA1FF}" type="datetimeFigureOut">
               <a:rPr lang="fr-FR" smtClean="0"/>
-              <a:t>18/03/2022</a:t>
+              <a:t>27/02/2022</a:t>
             </a:fld>
             <a:endParaRPr lang="fr-FR"/>
           </a:p>
@@ -3445,7 +3445,7 @@
           <a:p>
             <a:fld id="{0AB29355-503D-4F95-9DE8-1F3DA58A7EA4}" type="slidenum">
               <a:rPr lang="fr-FR" smtClean="0"/>
-              <a:t>‹N°›</a:t>
+              <a:t>‹#›</a:t>
             </a:fld>
             <a:endParaRPr lang="fr-FR"/>
           </a:p>
@@ -3933,7 +3933,7 @@
             <a:pPr lvl="1"/>
             <a:r>
               <a:rPr lang="fr-FR" dirty="0"/>
-              <a:t>Vous ferez 46 exercices de mémorisation, qui consisteront à mémoriser l’emplacement de paires de chiffres disposés sur une grille. Plus il y aura de paires de chiffres à mémoriser, plus l’exercice sera difficile.</a:t>
+              <a:t>Vous ferez 27 exercices de mémorisation, qui consisteront à mémoriser l’emplacement de paires de chiffres disposés sur une grille. Plus il y aura de paires de chiffres à mémoriser, plus l’exercice sera difficile.</a:t>
             </a:r>
           </a:p>
           <a:p>
@@ -4084,21 +4084,13 @@
             </a:r>
             <a:r>
               <a:rPr lang="fr-FR" dirty="0"/>
-              <a:t> est le nombre de points que vous obtenez si vous atteignez l’objectif (1 ou 10). Attention: votre rétribution financière dépend du total de points que vous aurez obtenu (sur les 46 exercices).</a:t>
+              <a:t> est le nombre de points que vous obtenez si vous atteignez l’objectif (1, 10 ou 100). Attention: votre rétribution financière dépend du total de points que vous aurez obtenu (sur les 27 exercices).</a:t>
             </a:r>
           </a:p>
           <a:p>
             <a:r>
               <a:rPr lang="fr-FR" dirty="0"/>
-              <a:t>Avant chaque exercice, nous vous afficherons l’objectif et le bonus. Vous nous indiquerez alors combien de temps vous souhaitez voir la grille (entre 15 et </a:t>
-            </a:r>
-            <a:r>
-              <a:rPr lang="fr-FR" dirty="0" smtClean="0"/>
-              <a:t>75 </a:t>
-            </a:r>
-            <a:r>
-              <a:rPr lang="fr-FR" dirty="0"/>
-              <a:t>secondes).</a:t>
+              <a:t>Avant chaque exercice, nous vous afficherons l’objectif et le bonus. Vous nous indiquerez alors combien de temps vous souhaitez voir la grille (entre 0 et 60 secondes).</a:t>
             </a:r>
           </a:p>
           <a:p>
@@ -4637,8 +4629,8 @@
                 <a:t>comprend</a:t>
               </a:r>
               <a:r>
-                <a:rPr lang="en-GB" sz="2400"/>
-                <a:t> 46 </a:t>
+                <a:rPr lang="en-GB" sz="2400" dirty="0"/>
+                <a:t> 27 </a:t>
               </a:r>
               <a:r>
                 <a:rPr lang="en-GB" sz="2400" dirty="0" err="1"/>
@@ -4745,9 +4737,10 @@
             <a:p>
               <a:pPr algn="ctr"/>
               <a:r>
-                <a:rPr lang="fr-FR" sz="2400" dirty="0"/>
+                <a:rPr lang="fr-FR" sz="2400"/>
                 <a:t>L'exercice d'entraînement est terminé.</a:t>
               </a:r>
+              <a:endParaRPr lang="fr-FR" sz="2400" dirty="0"/>
             </a:p>
           </p:txBody>
         </p:sp>
